--- a/2017_2dgp_프로젝트기획서.pptx
+++ b/2017_2dgp_프로젝트기획서.pptx
@@ -2,7 +2,7 @@
 <file path=ppt/presentation.xml><?xml version="1.0" encoding="utf-8"?>
 <p:presentation xmlns:a="http://schemas.openxmlformats.org/drawingml/2006/main" xmlns:r="http://schemas.openxmlformats.org/officeDocument/2006/relationships" xmlns:p="http://schemas.openxmlformats.org/presentationml/2006/main" xmlns:p14="http://schemas.microsoft.com/office/powerpoint/2010/main" saveSubsetFonts="1" bookmarkIdSeed="2">
   <p:sldMasterIdLst>
-    <p:sldMasterId id="2147483687" r:id="rId12"/>
+    <p:sldMasterId id="2147483695" r:id="rId12"/>
   </p:sldMasterIdLst>
   <p:notesMasterIdLst>
     <p:notesMasterId r:id="rId14"/>
@@ -117,12 +117,7 @@
   <p:extLst>
     <p:ext uri="{EFAFB233-063F-42B5-8137-9DF3F51BA10A}">
       <p15:sldGuideLst xmlns:p15="http://schemas.microsoft.com/office/powerpoint/2012/main">
-        <p15:guide id="1" orient="horz" pos="2152" userDrawn="0">
-          <p15:clr>
-            <a:srgbClr val="A4A3A4"/>
-          </p15:clr>
-        </p15:guide>
-        <p15:guide id="2" pos="3854" userDrawn="0">
+        <p15:guide id="1" orient="horz" pos="2150" userDrawn="0">
           <p15:clr>
             <a:srgbClr val="A4A3A4"/>
           </p15:clr>
@@ -9716,17 +9711,17 @@
       <p:sp>
         <p:nvSpPr>
           <p:cNvPr id="6" name="TextBox 5"/>
-          <p:cNvSpPr txBox="1"/>
+          <p:cNvSpPr txBox="1">
+            <a:spLocks/>
+          </p:cNvSpPr>
           <p:nvPr/>
         </p:nvSpPr>
         <p:spPr>
-          <a:xfrm>
-            <a:off x="647700" y="4860290"/>
-            <a:ext cx="5905500" cy="2030095"/>
+          <a:xfrm rot="0">
+            <a:off x="429895" y="4719955"/>
+            <a:ext cx="9922510" cy="2122170"/>
           </a:xfrm>
-          <a:prstGeom prst="rect">
-            <a:avLst/>
-          </a:prstGeom>
+          <a:prstGeom prst="rect"/>
           <a:noFill/>
         </p:spPr>
         <p:txBody>
@@ -9737,7 +9732,7 @@
           <a:p>
             <a:pPr marL="285750" indent="-285750" algn="l" fontAlgn="auto" defTabSz="914400" eaLnBrk="0">
               <a:lnSpc>
-                <a:spcPct val="200000"/>
+                <a:spcPct val="150000"/>
               </a:lnSpc>
               <a:spcBef>
                 <a:spcPts val="0"/>
@@ -9752,7 +9747,7 @@
               <a:buChar char="•"/>
             </a:pPr>
             <a:r>
-              <a:rPr lang="en-US" altLang="ko-KR" sz="1800" cap="none" dirty="0" smtClean="0" b="1">
+              <a:rPr lang="en-US" altLang="ko-KR" sz="2400" cap="none" dirty="0" smtClean="0" b="1">
                 <a:solidFill>
                   <a:srgbClr val="000000"/>
                 </a:solidFill>
@@ -9761,7 +9756,7 @@
               </a:rPr>
               <a:t>몰려오는 적들을 다양한 공격을 하는 유닛으로 방어.</a:t>
             </a:r>
-            <a:endParaRPr lang="ko-KR" altLang="en-US" sz="1800" cap="none" dirty="0" smtClean="0" b="1">
+            <a:endParaRPr lang="ko-KR" altLang="en-US" sz="2400" cap="none" dirty="0" smtClean="0" b="1">
               <a:solidFill>
                 <a:srgbClr val="000000"/>
               </a:solidFill>
@@ -9772,7 +9767,7 @@
           <a:p>
             <a:pPr marL="285750" indent="-285750" algn="l" fontAlgn="auto" defTabSz="914400" eaLnBrk="0">
               <a:lnSpc>
-                <a:spcPct val="200000"/>
+                <a:spcPct val="150000"/>
               </a:lnSpc>
               <a:spcBef>
                 <a:spcPts val="0"/>
@@ -9787,7 +9782,7 @@
               <a:buChar char="•"/>
             </a:pPr>
             <a:r>
-              <a:rPr lang="en-US" altLang="ko-KR" sz="1800" cap="none" dirty="0" smtClean="0" b="1">
+              <a:rPr lang="en-US" altLang="ko-KR" sz="2400" cap="none" dirty="0" smtClean="0" b="1">
                 <a:solidFill>
                   <a:srgbClr val="000000"/>
                 </a:solidFill>
@@ -9796,7 +9791,7 @@
               </a:rPr>
               <a:t>유닛은 주사위를 통해 무작위로 선택.</a:t>
             </a:r>
-            <a:endParaRPr lang="ko-KR" altLang="en-US" sz="1800" cap="none" dirty="0" smtClean="0" b="1">
+            <a:endParaRPr lang="ko-KR" altLang="en-US" sz="2400" cap="none" dirty="0" smtClean="0" b="1">
               <a:solidFill>
                 <a:srgbClr val="000000"/>
               </a:solidFill>
@@ -9807,7 +9802,7 @@
           <a:p>
             <a:pPr marL="285750" indent="-285750" algn="l" fontAlgn="auto" defTabSz="914400" eaLnBrk="0">
               <a:lnSpc>
-                <a:spcPct val="200000"/>
+                <a:spcPct val="150000"/>
               </a:lnSpc>
               <a:spcBef>
                 <a:spcPts val="0"/>
@@ -9822,7 +9817,7 @@
               <a:buChar char="•"/>
             </a:pPr>
             <a:r>
-              <a:rPr lang="en-US" altLang="ko-KR" sz="1800" cap="none" dirty="0" smtClean="0" b="1">
+              <a:rPr lang="en-US" altLang="ko-KR" sz="2400" cap="none" dirty="0" smtClean="0" b="1">
                 <a:solidFill>
                   <a:srgbClr val="000000"/>
                 </a:solidFill>
@@ -9831,7 +9826,7 @@
               </a:rPr>
               <a:t>유닛들을 조합해서 업그레이드.</a:t>
             </a:r>
-            <a:endParaRPr lang="ko-KR" altLang="en-US" sz="1800" cap="none" dirty="0" smtClean="0" b="1">
+            <a:endParaRPr lang="ko-KR" altLang="en-US" sz="2400" cap="none" dirty="0" smtClean="0" b="1">
               <a:solidFill>
                 <a:srgbClr val="000000"/>
               </a:solidFill>
@@ -9856,7 +9851,7 @@
               <a:buFont typeface="Arial"/>
               <a:buChar char="•"/>
             </a:pPr>
-            <a:endParaRPr lang="ko-KR" altLang="en-US" sz="1800" cap="none" dirty="0" smtClean="0" b="0">
+            <a:endParaRPr lang="ko-KR" altLang="en-US" sz="2400" cap="none" dirty="0" smtClean="0" b="0">
               <a:solidFill>
                 <a:srgbClr val="000000"/>
               </a:solidFill>
@@ -9866,36 +9861,6 @@
           </a:p>
         </p:txBody>
       </p:sp>
-      <p:pic>
-        <p:nvPicPr>
-          <p:cNvPr id="8" name="그림 7" descr="C:/Users/didxo/AppData/Roaming/PolarisOffice/ETemp/6000_12815592/image1.jpg"/>
-          <p:cNvPicPr>
-            <a:picLocks noChangeAspect="1"/>
-          </p:cNvPicPr>
-          <p:nvPr/>
-        </p:nvPicPr>
-        <p:blipFill rotWithShape="1">
-          <a:blip r:embed="rId2">
-            <a:extLst>
-              <a:ext uri="{28A0092B-C50C-407E-A947-70E740481C1C}">
-                <a14:useLocalDpi xmlns:a14="http://schemas.microsoft.com/office/drawing/2010/main" val="0"/>
-              </a:ext>
-            </a:extLst>
-          </a:blip>
-          <a:srcRect/>
-          <a:stretch>
-            <a:fillRect/>
-          </a:stretch>
-        </p:blipFill>
-        <p:spPr>
-          <a:xfrm rot="0">
-            <a:off x="647700" y="1908175"/>
-            <a:ext cx="5639435" cy="2814320"/>
-          </a:xfrm>
-          <a:prstGeom prst="rect"/>
-          <a:noFill/>
-        </p:spPr>
-      </p:pic>
       <p:sp>
         <p:nvSpPr>
           <p:cNvPr id="53" name="텍스트 상자 52"/>
@@ -9906,8 +9871,8 @@
         </p:nvSpPr>
         <p:spPr>
           <a:xfrm rot="0">
-            <a:off x="680085" y="1333500"/>
-            <a:ext cx="10355580" cy="462280"/>
+            <a:off x="3509010" y="867410"/>
+            <a:ext cx="10356215" cy="462915"/>
           </a:xfrm>
           <a:prstGeom prst="rect"/>
           <a:noFill/>
@@ -9917,12 +9882,12 @@
           </a:ln>
         </p:spPr>
         <p:txBody>
-          <a:bodyPr wrap="square" lIns="89535" tIns="46355" rIns="89535" bIns="46355" vert="horz" anchor="t">
+          <a:bodyPr wrap="square" lIns="89535" tIns="46355" rIns="89535" bIns="46355" numCol="1" vert="horz" anchor="t">
             <a:spAutoFit/>
           </a:bodyPr>
           <a:lstStyle/>
           <a:p>
-            <a:pPr marL="0" indent="0" algn="l" fontAlgn="auto" defTabSz="508000">
+            <a:pPr marL="0" indent="0" algn="l" fontAlgn="auto" defTabSz="508000" eaLnBrk="0">
               <a:lnSpc>
                 <a:spcPct val="100000"/>
               </a:lnSpc>
@@ -9983,6 +9948,9 @@
               <a:t>몰아내자!</a:t>
             </a:r>
             <a:endParaRPr lang="ko-KR" altLang="en-US" sz="2400" cap="none" dirty="0" smtClean="0" b="1">
+              <a:solidFill>
+                <a:schemeClr val="tx1"/>
+              </a:solidFill>
               <a:latin typeface="맑은 고딕" charset="0"/>
               <a:ea typeface="맑은 고딕" charset="0"/>
             </a:endParaRPr>
@@ -10036,6 +10004,242 @@
               <a:t>출처 - THIS IS GAME</a:t>
             </a:r>
             <a:endParaRPr lang="ko-KR" altLang="en-US" sz="900" cap="none" dirty="0" smtClean="0" b="0">
+              <a:latin typeface="맑은 고딕" charset="0"/>
+              <a:ea typeface="맑은 고딕" charset="0"/>
+            </a:endParaRPr>
+          </a:p>
+        </p:txBody>
+      </p:sp>
+      <p:pic>
+        <p:nvPicPr>
+          <p:cNvPr id="55" name="그림 54"/>
+          <p:cNvPicPr>
+            <a:picLocks noChangeAspect="1"/>
+          </p:cNvPicPr>
+          <p:nvPr/>
+        </p:nvPicPr>
+        <p:blipFill rotWithShape="1">
+          <a:blip r:embed="rId3">
+            <a:extLst>
+              <a:ext uri="{28A0092B-C50C-407E-A947-70E740481C1C}">
+                <a14:useLocalDpi xmlns:a14="http://schemas.microsoft.com/office/drawing/2010/main" val="0"/>
+              </a:ext>
+            </a:extLst>
+          </a:blip>
+          <a:stretch>
+            <a:fillRect/>
+          </a:stretch>
+        </p:blipFill>
+        <p:spPr>
+          <a:xfrm rot="0">
+            <a:off x="497840" y="1423670"/>
+            <a:ext cx="5626735" cy="3178175"/>
+          </a:xfrm>
+          <a:prstGeom prst="rect"/>
+          <a:noFill/>
+        </p:spPr>
+      </p:pic>
+      <p:pic>
+        <p:nvPicPr>
+          <p:cNvPr id="56" name="그림 55" descr="C:/Users/didxo/AppData/Roaming/PolarisOffice/ETemp/26540_6012208/fImage525636941.png"/>
+          <p:cNvPicPr>
+            <a:picLocks noChangeAspect="1"/>
+          </p:cNvPicPr>
+          <p:nvPr/>
+        </p:nvPicPr>
+        <p:blipFill rotWithShape="1">
+          <a:blip r:embed="rId4">
+            <a:extLst>
+              <a:ext uri="{28A0092B-C50C-407E-A947-70E740481C1C}">
+                <a14:useLocalDpi xmlns:a14="http://schemas.microsoft.com/office/drawing/2010/main" val="0"/>
+              </a:ext>
+            </a:extLst>
+          </a:blip>
+          <a:stretch>
+            <a:fillRect/>
+          </a:stretch>
+        </p:blipFill>
+        <p:spPr>
+          <a:xfrm rot="0">
+            <a:off x="6510655" y="1524635"/>
+            <a:ext cx="1463675" cy="1429385"/>
+          </a:xfrm>
+          <a:prstGeom prst="rect"/>
+          <a:noFill/>
+        </p:spPr>
+      </p:pic>
+      <p:pic>
+        <p:nvPicPr>
+          <p:cNvPr id="57" name="그림 56" descr="C:/Users/didxo/AppData/Roaming/PolarisOffice/ETemp/26540_6012208/fImage19643708467.png"/>
+          <p:cNvPicPr>
+            <a:picLocks noChangeAspect="1"/>
+          </p:cNvPicPr>
+          <p:nvPr/>
+        </p:nvPicPr>
+        <p:blipFill rotWithShape="1">
+          <a:blip r:embed="rId5">
+            <a:extLst>
+              <a:ext uri="{28A0092B-C50C-407E-A947-70E740481C1C}">
+                <a14:useLocalDpi xmlns:a14="http://schemas.microsoft.com/office/drawing/2010/main" val="0"/>
+              </a:ext>
+            </a:extLst>
+          </a:blip>
+          <a:stretch>
+            <a:fillRect/>
+          </a:stretch>
+        </p:blipFill>
+        <p:spPr>
+          <a:xfrm rot="0">
+            <a:off x="9011920" y="1430020"/>
+            <a:ext cx="1589405" cy="1570355"/>
+          </a:xfrm>
+          <a:prstGeom prst="rect"/>
+          <a:noFill/>
+        </p:spPr>
+      </p:pic>
+      <p:pic>
+        <p:nvPicPr>
+          <p:cNvPr id="58" name="그림 57" descr="C:/Users/didxo/AppData/Roaming/PolarisOffice/ETemp/26540_6012208/fImage85853716334.jpeg"/>
+          <p:cNvPicPr>
+            <a:picLocks noChangeAspect="1"/>
+          </p:cNvPicPr>
+          <p:nvPr/>
+        </p:nvPicPr>
+        <p:blipFill rotWithShape="1">
+          <a:blip r:embed="rId6">
+            <a:extLst>
+              <a:ext uri="{28A0092B-C50C-407E-A947-70E740481C1C}">
+                <a14:useLocalDpi xmlns:a14="http://schemas.microsoft.com/office/drawing/2010/main" val="0"/>
+              </a:ext>
+            </a:extLst>
+          </a:blip>
+          <a:stretch>
+            <a:fillRect/>
+          </a:stretch>
+        </p:blipFill>
+        <p:spPr>
+          <a:xfrm rot="0">
+            <a:off x="7945755" y="3692525"/>
+            <a:ext cx="1007745" cy="1033780"/>
+          </a:xfrm>
+          <a:prstGeom prst="rect"/>
+          <a:noFill/>
+        </p:spPr>
+      </p:pic>
+      <p:sp>
+        <p:nvSpPr>
+          <p:cNvPr id="59" name="도형 58"/>
+          <p:cNvSpPr>
+            <a:spLocks/>
+          </p:cNvSpPr>
+          <p:nvPr/>
+        </p:nvSpPr>
+        <p:spPr>
+          <a:xfrm rot="0">
+            <a:off x="8221980" y="2160905"/>
+            <a:ext cx="498475" cy="497840"/>
+          </a:xfrm>
+          <a:prstGeom prst="quadArrow"/>
+          <a:solidFill>
+            <a:srgbClr val="000000"/>
+          </a:solidFill>
+        </p:spPr>
+        <p:style>
+          <a:lnRef idx="2">
+            <a:schemeClr val="accent1">
+              <a:shade val="50000"/>
+            </a:schemeClr>
+          </a:lnRef>
+          <a:fillRef idx="1">
+            <a:schemeClr val="accent1"/>
+          </a:fillRef>
+          <a:effectRef idx="0">
+            <a:schemeClr val="accent1"/>
+          </a:effectRef>
+          <a:fontRef idx="minor">
+            <a:schemeClr val="lt1"/>
+          </a:fontRef>
+        </p:style>
+        <p:txBody>
+          <a:bodyPr wrap="square" lIns="91440" tIns="45720" rIns="91440" bIns="45720" vert="horz" anchor="ctr">
+            <a:noAutofit/>
+          </a:bodyPr>
+          <a:lstStyle/>
+          <a:p>
+            <a:pPr marL="0" indent="0" algn="ctr" fontAlgn="auto" defTabSz="508000">
+              <a:lnSpc>
+                <a:spcPct val="100000"/>
+              </a:lnSpc>
+              <a:spcBef>
+                <a:spcPts val="0"/>
+              </a:spcBef>
+              <a:spcAft>
+                <a:spcPts val="0"/>
+              </a:spcAft>
+              <a:buFontTx/>
+              <a:buNone/>
+            </a:pPr>
+            <a:endParaRPr lang="ko-KR" altLang="en-US" sz="1800" cap="none" dirty="0" smtClean="0" b="0">
+              <a:latin typeface="맑은 고딕" charset="0"/>
+              <a:ea typeface="맑은 고딕" charset="0"/>
+            </a:endParaRPr>
+          </a:p>
+        </p:txBody>
+      </p:sp>
+      <p:sp>
+        <p:nvSpPr>
+          <p:cNvPr id="60" name="도형 59"/>
+          <p:cNvSpPr>
+            <a:spLocks/>
+          </p:cNvSpPr>
+          <p:nvPr/>
+        </p:nvSpPr>
+        <p:spPr>
+          <a:xfrm rot="5400000">
+            <a:off x="8105775" y="3131820"/>
+            <a:ext cx="793115" cy="373380"/>
+          </a:xfrm>
+          <a:prstGeom prst="rightArrow"/>
+          <a:solidFill>
+            <a:srgbClr val="000000"/>
+          </a:solidFill>
+        </p:spPr>
+        <p:style>
+          <a:lnRef idx="2">
+            <a:schemeClr val="accent1">
+              <a:shade val="50000"/>
+            </a:schemeClr>
+          </a:lnRef>
+          <a:fillRef idx="1">
+            <a:schemeClr val="accent1"/>
+          </a:fillRef>
+          <a:effectRef idx="0">
+            <a:schemeClr val="accent1"/>
+          </a:effectRef>
+          <a:fontRef idx="minor">
+            <a:schemeClr val="lt1"/>
+          </a:fontRef>
+        </p:style>
+        <p:txBody>
+          <a:bodyPr wrap="square" lIns="91440" tIns="45720" rIns="91440" bIns="45720" vert="horz" anchor="ctr">
+            <a:noAutofit/>
+          </a:bodyPr>
+          <a:lstStyle/>
+          <a:p>
+            <a:pPr marL="0" indent="0" algn="ctr" fontAlgn="auto" defTabSz="508000">
+              <a:lnSpc>
+                <a:spcPct val="100000"/>
+              </a:lnSpc>
+              <a:spcBef>
+                <a:spcPts val="0"/>
+              </a:spcBef>
+              <a:spcAft>
+                <a:spcPts val="0"/>
+              </a:spcAft>
+              <a:buFontTx/>
+              <a:buNone/>
+            </a:pPr>
+            <a:endParaRPr lang="ko-KR" altLang="en-US" sz="1800" cap="none" dirty="0" smtClean="0" b="0">
               <a:latin typeface="맑은 고딕" charset="0"/>
               <a:ea typeface="맑은 고딕" charset="0"/>
             </a:endParaRPr>
@@ -10216,8 +10420,8 @@
         </p:nvSpPr>
         <p:spPr>
           <a:xfrm rot="0">
-            <a:off x="4747260" y="3201670"/>
-            <a:ext cx="288925" cy="645795"/>
+            <a:off x="4716145" y="3077210"/>
+            <a:ext cx="227330" cy="1076325"/>
           </a:xfrm>
           <a:prstGeom prst="rect"/>
           <a:noFill/>
@@ -10242,64 +10446,16 @@
               <a:buNone/>
             </a:pPr>
             <a:r>
-              <a:rPr lang="en-US" altLang="ko-KR" sz="1800" cap="none" dirty="0" smtClean="0" b="0">
+              <a:rPr lang="en-US" altLang="ko-KR" sz="3200" cap="none" dirty="0" smtClean="0" b="0">
                 <a:latin typeface="나눔고딕 ExtraBold" charset="0"/>
                 <a:ea typeface="나눔고딕 ExtraBold" charset="0"/>
               </a:rPr>
               <a:t>성벽</a:t>
             </a:r>
-            <a:endParaRPr lang="ko-KR" altLang="en-US" sz="1800" cap="none" dirty="0" smtClean="0" b="0">
+            <a:endParaRPr lang="ko-KR" altLang="en-US" sz="3200" cap="none" dirty="0" smtClean="0" b="0">
               <a:latin typeface="나눔고딕 ExtraBold" charset="0"/>
               <a:ea typeface="나눔고딕 ExtraBold" charset="0"/>
             </a:endParaRPr>
-          </a:p>
-        </p:txBody>
-      </p:sp>
-      <p:sp>
-        <p:nvSpPr>
-          <p:cNvPr id="11" name="타원 10"/>
-          <p:cNvSpPr/>
-          <p:nvPr/>
-        </p:nvSpPr>
-        <p:spPr>
-          <a:xfrm>
-            <a:off x="864235" y="2484120"/>
-            <a:ext cx="1800225" cy="1800225"/>
-          </a:xfrm>
-          <a:prstGeom prst="ellipse">
-            <a:avLst/>
-          </a:prstGeom>
-          <a:solidFill>
-            <a:srgbClr val="FF3F3F"/>
-          </a:solidFill>
-          <a:ln>
-            <a:solidFill>
-              <a:schemeClr val="tx1"/>
-            </a:solidFill>
-          </a:ln>
-        </p:spPr>
-        <p:style>
-          <a:lnRef idx="2">
-            <a:schemeClr val="accent1">
-              <a:shade val="50000"/>
-            </a:schemeClr>
-          </a:lnRef>
-          <a:fillRef idx="1">
-            <a:schemeClr val="accent1"/>
-          </a:fillRef>
-          <a:effectRef idx="0">
-            <a:schemeClr val="accent1"/>
-          </a:effectRef>
-          <a:fontRef idx="minor">
-            <a:schemeClr val="lt1"/>
-          </a:fontRef>
-        </p:style>
-        <p:txBody>
-          <a:bodyPr rtlCol="0" anchor="ctr"/>
-          <a:lstStyle/>
-          <a:p>
-            <a:pPr algn="ctr"/>
-            <a:endParaRPr lang="ko-KR" altLang="en-US"/>
           </a:p>
         </p:txBody>
       </p:sp>
@@ -10313,8 +10469,8 @@
         </p:nvSpPr>
         <p:spPr>
           <a:xfrm rot="0">
-            <a:off x="1285875" y="3240405"/>
-            <a:ext cx="1009015" cy="370205"/>
+            <a:off x="1130300" y="4840605"/>
+            <a:ext cx="1652905" cy="584200"/>
           </a:xfrm>
           <a:prstGeom prst="rect"/>
           <a:noFill/>
@@ -10339,313 +10495,13 @@
               <a:buNone/>
             </a:pPr>
             <a:r>
-              <a:rPr lang="en-US" altLang="ko-KR" sz="1800" cap="none" dirty="0" smtClean="0" b="0">
+              <a:rPr lang="en-US" altLang="ko-KR" sz="3200" cap="none" dirty="0" smtClean="0" b="0">
                 <a:latin typeface="나눔고딕 ExtraBold" charset="0"/>
                 <a:ea typeface="나눔고딕 ExtraBold" charset="0"/>
               </a:rPr>
               <a:t>몬스터</a:t>
             </a:r>
-            <a:endParaRPr lang="ko-KR" altLang="en-US" sz="1800" cap="none" dirty="0" smtClean="0" b="0">
-              <a:latin typeface="나눔고딕 ExtraBold" charset="0"/>
-              <a:ea typeface="나눔고딕 ExtraBold" charset="0"/>
-            </a:endParaRPr>
-          </a:p>
-        </p:txBody>
-      </p:sp>
-      <p:sp>
-        <p:nvSpPr>
-          <p:cNvPr id="13" name="타원 12"/>
-          <p:cNvSpPr/>
-          <p:nvPr/>
-        </p:nvSpPr>
-        <p:spPr>
-          <a:xfrm>
-            <a:off x="5472430" y="1645920"/>
-            <a:ext cx="935990" cy="935990"/>
-          </a:xfrm>
-          <a:prstGeom prst="ellipse">
-            <a:avLst/>
-          </a:prstGeom>
-          <a:solidFill>
-            <a:schemeClr val="accent3">
-              <a:lumMod val="60000"/>
-              <a:lumOff val="40000"/>
-            </a:schemeClr>
-          </a:solidFill>
-          <a:ln>
-            <a:solidFill>
-              <a:schemeClr val="tx1"/>
-            </a:solidFill>
-          </a:ln>
-        </p:spPr>
-        <p:style>
-          <a:lnRef idx="2">
-            <a:schemeClr val="accent1">
-              <a:shade val="50000"/>
-            </a:schemeClr>
-          </a:lnRef>
-          <a:fillRef idx="1">
-            <a:schemeClr val="accent1"/>
-          </a:fillRef>
-          <a:effectRef idx="0">
-            <a:schemeClr val="accent1"/>
-          </a:effectRef>
-          <a:fontRef idx="minor">
-            <a:schemeClr val="lt1"/>
-          </a:fontRef>
-        </p:style>
-        <p:txBody>
-          <a:bodyPr rtlCol="0" anchor="ctr"/>
-          <a:lstStyle/>
-          <a:p>
-            <a:pPr algn="ctr"/>
-            <a:endParaRPr lang="ko-KR" altLang="en-US"/>
-          </a:p>
-        </p:txBody>
-      </p:sp>
-      <p:sp>
-        <p:nvSpPr>
-          <p:cNvPr id="14" name="TextBox 13"/>
-          <p:cNvSpPr txBox="1">
-            <a:spLocks/>
-          </p:cNvSpPr>
-          <p:nvPr/>
-        </p:nvSpPr>
-        <p:spPr>
-          <a:xfrm rot="0">
-            <a:off x="5643245" y="1960245"/>
-            <a:ext cx="576580" cy="308610"/>
-          </a:xfrm>
-          <a:prstGeom prst="rect"/>
-          <a:noFill/>
-        </p:spPr>
-        <p:txBody>
-          <a:bodyPr wrap="square" lIns="91440" tIns="45720" rIns="91440" bIns="45720" numCol="1" vert="horz" anchor="t">
-            <a:spAutoFit/>
-          </a:bodyPr>
-          <a:lstStyle/>
-          <a:p>
-            <a:pPr marL="0" indent="0" algn="l" fontAlgn="auto" defTabSz="914400" eaLnBrk="0">
-              <a:lnSpc>
-                <a:spcPct val="100000"/>
-              </a:lnSpc>
-              <a:spcBef>
-                <a:spcPts val="0"/>
-              </a:spcBef>
-              <a:spcAft>
-                <a:spcPts val="0"/>
-              </a:spcAft>
-              <a:buFontTx/>
-              <a:buNone/>
-            </a:pPr>
-            <a:r>
-              <a:rPr lang="en-US" altLang="ko-KR" sz="1400" cap="none" dirty="0" smtClean="0" b="0">
-                <a:latin typeface="나눔고딕 ExtraBold" charset="0"/>
-                <a:ea typeface="나눔고딕 ExtraBold" charset="0"/>
-              </a:rPr>
-              <a:t>유닛</a:t>
-            </a:r>
-            <a:endParaRPr lang="ko-KR" altLang="en-US" sz="1400" cap="none" dirty="0" smtClean="0" b="0">
-              <a:latin typeface="나눔고딕 ExtraBold" charset="0"/>
-              <a:ea typeface="나눔고딕 ExtraBold" charset="0"/>
-            </a:endParaRPr>
-          </a:p>
-        </p:txBody>
-      </p:sp>
-      <p:sp>
-        <p:nvSpPr>
-          <p:cNvPr id="70" name="타원 69"/>
-          <p:cNvSpPr/>
-          <p:nvPr/>
-        </p:nvSpPr>
-        <p:spPr>
-          <a:xfrm>
-            <a:off x="5472430" y="2915920"/>
-            <a:ext cx="935990" cy="935990"/>
-          </a:xfrm>
-          <a:prstGeom prst="ellipse">
-            <a:avLst/>
-          </a:prstGeom>
-          <a:solidFill>
-            <a:schemeClr val="accent3">
-              <a:lumMod val="60000"/>
-              <a:lumOff val="40000"/>
-            </a:schemeClr>
-          </a:solidFill>
-          <a:ln>
-            <a:solidFill>
-              <a:schemeClr val="tx1"/>
-            </a:solidFill>
-          </a:ln>
-        </p:spPr>
-        <p:style>
-          <a:lnRef idx="2">
-            <a:schemeClr val="accent1">
-              <a:shade val="50000"/>
-            </a:schemeClr>
-          </a:lnRef>
-          <a:fillRef idx="1">
-            <a:schemeClr val="accent1"/>
-          </a:fillRef>
-          <a:effectRef idx="0">
-            <a:schemeClr val="accent1"/>
-          </a:effectRef>
-          <a:fontRef idx="minor">
-            <a:schemeClr val="lt1"/>
-          </a:fontRef>
-        </p:style>
-        <p:txBody>
-          <a:bodyPr rtlCol="0" anchor="ctr"/>
-          <a:lstStyle/>
-          <a:p>
-            <a:pPr algn="ctr"/>
-            <a:endParaRPr lang="ko-KR" altLang="en-US"/>
-          </a:p>
-        </p:txBody>
-      </p:sp>
-      <p:sp>
-        <p:nvSpPr>
-          <p:cNvPr id="78" name="TextBox 77"/>
-          <p:cNvSpPr txBox="1">
-            <a:spLocks/>
-          </p:cNvSpPr>
-          <p:nvPr/>
-        </p:nvSpPr>
-        <p:spPr>
-          <a:xfrm rot="0">
-            <a:off x="5657215" y="3243580"/>
-            <a:ext cx="576580" cy="308610"/>
-          </a:xfrm>
-          <a:prstGeom prst="rect"/>
-          <a:noFill/>
-        </p:spPr>
-        <p:txBody>
-          <a:bodyPr wrap="square" lIns="91440" tIns="45720" rIns="91440" bIns="45720" numCol="1" vert="horz" anchor="t">
-            <a:spAutoFit/>
-          </a:bodyPr>
-          <a:lstStyle/>
-          <a:p>
-            <a:pPr marL="0" indent="0" algn="l" fontAlgn="auto" defTabSz="914400" eaLnBrk="0">
-              <a:lnSpc>
-                <a:spcPct val="100000"/>
-              </a:lnSpc>
-              <a:spcBef>
-                <a:spcPts val="0"/>
-              </a:spcBef>
-              <a:spcAft>
-                <a:spcPts val="0"/>
-              </a:spcAft>
-              <a:buFontTx/>
-              <a:buNone/>
-            </a:pPr>
-            <a:r>
-              <a:rPr lang="en-US" altLang="ko-KR" sz="1400" cap="none" dirty="0" smtClean="0" b="0">
-                <a:latin typeface="나눔고딕 ExtraBold" charset="0"/>
-                <a:ea typeface="나눔고딕 ExtraBold" charset="0"/>
-              </a:rPr>
-              <a:t>유닛</a:t>
-            </a:r>
-            <a:endParaRPr lang="ko-KR" altLang="en-US" sz="1400" cap="none" dirty="0" smtClean="0" b="0">
-              <a:latin typeface="나눔고딕 ExtraBold" charset="0"/>
-              <a:ea typeface="나눔고딕 ExtraBold" charset="0"/>
-            </a:endParaRPr>
-          </a:p>
-        </p:txBody>
-      </p:sp>
-      <p:sp>
-        <p:nvSpPr>
-          <p:cNvPr id="83" name="타원 82"/>
-          <p:cNvSpPr/>
-          <p:nvPr/>
-        </p:nvSpPr>
-        <p:spPr>
-          <a:xfrm>
-            <a:off x="5472430" y="4199890"/>
-            <a:ext cx="935990" cy="935990"/>
-          </a:xfrm>
-          <a:prstGeom prst="ellipse">
-            <a:avLst/>
-          </a:prstGeom>
-          <a:solidFill>
-            <a:schemeClr val="accent3">
-              <a:lumMod val="60000"/>
-              <a:lumOff val="40000"/>
-            </a:schemeClr>
-          </a:solidFill>
-          <a:ln>
-            <a:solidFill>
-              <a:schemeClr val="tx1"/>
-            </a:solidFill>
-          </a:ln>
-        </p:spPr>
-        <p:style>
-          <a:lnRef idx="2">
-            <a:schemeClr val="accent1">
-              <a:shade val="50000"/>
-            </a:schemeClr>
-          </a:lnRef>
-          <a:fillRef idx="1">
-            <a:schemeClr val="accent1"/>
-          </a:fillRef>
-          <a:effectRef idx="0">
-            <a:schemeClr val="accent1"/>
-          </a:effectRef>
-          <a:fontRef idx="minor">
-            <a:schemeClr val="lt1"/>
-          </a:fontRef>
-        </p:style>
-        <p:txBody>
-          <a:bodyPr rtlCol="0" anchor="ctr"/>
-          <a:lstStyle/>
-          <a:p>
-            <a:pPr algn="ctr"/>
-            <a:endParaRPr lang="ko-KR" altLang="en-US"/>
-          </a:p>
-        </p:txBody>
-      </p:sp>
-      <p:sp>
-        <p:nvSpPr>
-          <p:cNvPr id="88" name="TextBox 87"/>
-          <p:cNvSpPr txBox="1">
-            <a:spLocks/>
-          </p:cNvSpPr>
-          <p:nvPr/>
-        </p:nvSpPr>
-        <p:spPr>
-          <a:xfrm rot="0">
-            <a:off x="5643245" y="4486910"/>
-            <a:ext cx="576580" cy="308610"/>
-          </a:xfrm>
-          <a:prstGeom prst="rect"/>
-          <a:noFill/>
-        </p:spPr>
-        <p:txBody>
-          <a:bodyPr wrap="square" lIns="91440" tIns="45720" rIns="91440" bIns="45720" numCol="1" vert="horz" anchor="t">
-            <a:spAutoFit/>
-          </a:bodyPr>
-          <a:lstStyle/>
-          <a:p>
-            <a:pPr marL="0" indent="0" algn="l" fontAlgn="auto" defTabSz="914400" eaLnBrk="0">
-              <a:lnSpc>
-                <a:spcPct val="100000"/>
-              </a:lnSpc>
-              <a:spcBef>
-                <a:spcPts val="0"/>
-              </a:spcBef>
-              <a:spcAft>
-                <a:spcPts val="0"/>
-              </a:spcAft>
-              <a:buFontTx/>
-              <a:buNone/>
-            </a:pPr>
-            <a:r>
-              <a:rPr lang="en-US" altLang="ko-KR" sz="1400" cap="none" dirty="0" smtClean="0" b="0">
-                <a:latin typeface="나눔고딕 ExtraBold" charset="0"/>
-                <a:ea typeface="나눔고딕 ExtraBold" charset="0"/>
-              </a:rPr>
-              <a:t>유닛</a:t>
-            </a:r>
-            <a:endParaRPr lang="ko-KR" altLang="en-US" sz="1400" cap="none" dirty="0" smtClean="0" b="0">
+            <a:endParaRPr lang="ko-KR" altLang="en-US" sz="3200" cap="none" dirty="0" smtClean="0" b="0">
               <a:latin typeface="나눔고딕 ExtraBold" charset="0"/>
               <a:ea typeface="나눔고딕 ExtraBold" charset="0"/>
             </a:endParaRPr>
@@ -10705,8 +10561,8 @@
         </p:nvSpPr>
         <p:spPr>
           <a:xfrm rot="0">
-            <a:off x="10297160" y="2331085"/>
-            <a:ext cx="1269365" cy="368935"/>
+            <a:off x="10312400" y="2082165"/>
+            <a:ext cx="1270000" cy="1076325"/>
           </a:xfrm>
           <a:prstGeom prst="rect"/>
           <a:noFill/>
@@ -10731,13 +10587,13 @@
               <a:buNone/>
             </a:pPr>
             <a:r>
-              <a:rPr lang="en-US" altLang="ko-KR" sz="1800" cap="none" dirty="0" smtClean="0" b="0">
+              <a:rPr lang="en-US" altLang="ko-KR" sz="3200" cap="none" dirty="0" smtClean="0" b="0">
                 <a:latin typeface="나눔고딕 ExtraBold" charset="0"/>
                 <a:ea typeface="나눔고딕 ExtraBold" charset="0"/>
               </a:rPr>
               <a:t>유닛 뽑기</a:t>
             </a:r>
-            <a:endParaRPr lang="ko-KR" altLang="en-US" sz="1800" cap="none" dirty="0" smtClean="0" b="0">
+            <a:endParaRPr lang="ko-KR" altLang="en-US" sz="3200" cap="none" dirty="0" smtClean="0" b="0">
               <a:latin typeface="나눔고딕 ExtraBold" charset="0"/>
               <a:ea typeface="나눔고딕 ExtraBold" charset="0"/>
             </a:endParaRPr>
@@ -10797,8 +10653,8 @@
         </p:nvSpPr>
         <p:spPr>
           <a:xfrm rot="0">
-            <a:off x="10311130" y="4118610"/>
-            <a:ext cx="1296035" cy="368935"/>
+            <a:off x="10311130" y="3838575"/>
+            <a:ext cx="1296670" cy="1076325"/>
           </a:xfrm>
           <a:prstGeom prst="rect"/>
           <a:noFill/>
@@ -10823,13 +10679,13 @@
               <a:buNone/>
             </a:pPr>
             <a:r>
-              <a:rPr lang="en-US" altLang="ko-KR" sz="1800" cap="none" dirty="0" smtClean="0" b="0">
+              <a:rPr lang="en-US" altLang="ko-KR" sz="3200" cap="none" dirty="0" smtClean="0" b="0">
                 <a:latin typeface="나눔고딕 ExtraBold" charset="0"/>
                 <a:ea typeface="나눔고딕 ExtraBold" charset="0"/>
               </a:rPr>
               <a:t>유닛 조합</a:t>
             </a:r>
-            <a:endParaRPr lang="ko-KR" altLang="en-US" sz="1800" cap="none" dirty="0" smtClean="0" b="0">
+            <a:endParaRPr lang="ko-KR" altLang="en-US" sz="3200" cap="none" dirty="0" smtClean="0" b="0">
               <a:latin typeface="나눔고딕 ExtraBold" charset="0"/>
               <a:ea typeface="나눔고딕 ExtraBold" charset="0"/>
             </a:endParaRPr>
@@ -10839,17 +10695,20 @@
       <p:sp>
         <p:nvSpPr>
           <p:cNvPr id="17" name="오른쪽 화살표 16"/>
-          <p:cNvSpPr/>
+          <p:cNvSpPr>
+            <a:spLocks/>
+          </p:cNvSpPr>
           <p:nvPr/>
         </p:nvSpPr>
         <p:spPr>
-          <a:xfrm>
-            <a:off x="3054350" y="3117215"/>
-            <a:ext cx="1151890" cy="470535"/>
+          <a:xfrm rot="0">
+            <a:off x="3288030" y="3366135"/>
+            <a:ext cx="1152525" cy="471170"/>
           </a:xfrm>
-          <a:prstGeom prst="rightArrow">
-            <a:avLst/>
-          </a:prstGeom>
+          <a:prstGeom prst="rightArrow"/>
+          <a:solidFill>
+            <a:schemeClr val="tx1"/>
+          </a:solidFill>
         </p:spPr>
         <p:style>
           <a:lnRef idx="2">
@@ -10868,11 +10727,28 @@
           </a:fontRef>
         </p:style>
         <p:txBody>
-          <a:bodyPr rtlCol="0" anchor="ctr"/>
+          <a:bodyPr wrap="square" lIns="91440" tIns="45720" rIns="91440" bIns="45720" numCol="1" vert="horz" anchor="ctr">
+            <a:noAutofit/>
+          </a:bodyPr>
           <a:lstStyle/>
           <a:p>
-            <a:pPr algn="ctr"/>
-            <a:endParaRPr lang="ko-KR" altLang="en-US"/>
+            <a:pPr marL="0" indent="0" algn="ctr" fontAlgn="auto" defTabSz="914400" eaLnBrk="0">
+              <a:lnSpc>
+                <a:spcPct val="100000"/>
+              </a:lnSpc>
+              <a:spcBef>
+                <a:spcPts val="0"/>
+              </a:spcBef>
+              <a:spcAft>
+                <a:spcPts val="0"/>
+              </a:spcAft>
+              <a:buFontTx/>
+              <a:buNone/>
+            </a:pPr>
+            <a:endParaRPr lang="ko-KR" altLang="en-US" sz="1800" cap="none" dirty="0" smtClean="0" b="0">
+              <a:latin typeface="나눔고딕" charset="0"/>
+              <a:ea typeface="나눔고딕" charset="0"/>
+            </a:endParaRPr>
           </a:p>
         </p:txBody>
       </p:sp>
@@ -11004,7 +10880,7 @@
         <p:spPr>
           <a:xfrm>
             <a:off x="9772650" y="5133975"/>
-            <a:ext cx="1656080" cy="584835"/>
+            <a:ext cx="1656715" cy="706755"/>
           </a:xfrm>
           <a:prstGeom prst="rect">
             <a:avLst/>
@@ -11012,41 +10888,60 @@
           <a:noFill/>
         </p:spPr>
         <p:txBody>
-          <a:bodyPr wrap="square" rtlCol="0">
+          <a:bodyPr wrap="square" lIns="91440" tIns="45720" rIns="91440" bIns="45720" numCol="1" vert="horz" anchor="t">
             <a:spAutoFit/>
           </a:bodyPr>
           <a:lstStyle/>
           <a:p>
+            <a:pPr marL="0" indent="0" algn="l" fontAlgn="auto" defTabSz="914400" eaLnBrk="0">
+              <a:lnSpc>
+                <a:spcPct val="100000"/>
+              </a:lnSpc>
+              <a:spcBef>
+                <a:spcPts val="0"/>
+              </a:spcBef>
+              <a:spcAft>
+                <a:spcPts val="0"/>
+              </a:spcAft>
+              <a:buFontTx/>
+              <a:buNone/>
+            </a:pPr>
             <a:r>
-              <a:rPr lang="ko-KR" altLang="en-US" sz="1600" dirty="0" err="1" smtClean="0">
-                <a:latin typeface="+mj-ea"/>
-                <a:ea typeface="+mj-ea"/>
+              <a:rPr lang="en-US" altLang="ko-KR" sz="2000" cap="none" dirty="0" smtClean="0" b="0">
+                <a:latin typeface="나눔고딕 ExtraBold" charset="0"/>
+                <a:ea typeface="나눔고딕 ExtraBold" charset="0"/>
               </a:rPr>
-              <a:t>유닛을</a:t>
+              <a:t>유닛을 위에 </a:t>
             </a:r>
-            <a:r>
-              <a:rPr lang="ko-KR" altLang="en-US" sz="1600" dirty="0" smtClean="0">
-                <a:latin typeface="+mj-ea"/>
-                <a:ea typeface="+mj-ea"/>
-              </a:rPr>
-              <a:t> 위에 </a:t>
-            </a:r>
-            <a:endParaRPr lang="en-US" altLang="ko-KR" sz="1600" dirty="0" smtClean="0">
-              <a:latin typeface="+mj-ea"/>
-              <a:ea typeface="+mj-ea"/>
+            <a:endParaRPr lang="ko-KR" altLang="en-US" sz="2000" cap="none" dirty="0" smtClean="0" b="0">
+              <a:latin typeface="나눔고딕 ExtraBold" charset="0"/>
+              <a:ea typeface="나눔고딕 ExtraBold" charset="0"/>
             </a:endParaRPr>
           </a:p>
           <a:p>
+            <a:pPr marL="0" indent="0" algn="l" fontAlgn="auto" defTabSz="914400" eaLnBrk="0">
+              <a:lnSpc>
+                <a:spcPct val="100000"/>
+              </a:lnSpc>
+              <a:spcBef>
+                <a:spcPts val="0"/>
+              </a:spcBef>
+              <a:spcAft>
+                <a:spcPts val="0"/>
+              </a:spcAft>
+              <a:buFontTx/>
+              <a:buNone/>
+            </a:pPr>
             <a:r>
-              <a:rPr lang="ko-KR" altLang="en-US" sz="1600" dirty="0" smtClean="0">
-                <a:latin typeface="+mj-ea"/>
-                <a:ea typeface="+mj-ea"/>
+              <a:rPr lang="en-US" altLang="ko-KR" sz="2000" cap="none" dirty="0" smtClean="0" b="0">
+                <a:latin typeface="나눔고딕 ExtraBold" charset="0"/>
+                <a:ea typeface="나눔고딕 ExtraBold" charset="0"/>
               </a:rPr>
               <a:t>올려서 조합</a:t>
             </a:r>
-            <a:endParaRPr lang="ko-KR" altLang="en-US" sz="1600" dirty="0">
-              <a:latin typeface="+mj-ea"/>
-              <a:ea typeface="+mj-ea"/>
+            <a:endParaRPr lang="ko-KR" altLang="en-US" sz="2000" cap="none" dirty="0" smtClean="0" b="0">
+              <a:latin typeface="나눔고딕 ExtraBold" charset="0"/>
+              <a:ea typeface="나눔고딕 ExtraBold" charset="0"/>
             </a:endParaRPr>
           </a:p>
         </p:txBody>
@@ -11102,65 +10997,87 @@
       <p:sp>
         <p:nvSpPr>
           <p:cNvPr id="27" name="TextBox 26"/>
-          <p:cNvSpPr txBox="1"/>
+          <p:cNvSpPr txBox="1">
+            <a:spLocks/>
+          </p:cNvSpPr>
           <p:nvPr/>
         </p:nvSpPr>
         <p:spPr>
-          <a:xfrm>
-            <a:off x="8530590" y="365125"/>
-            <a:ext cx="1368425" cy="584835"/>
+          <a:xfrm rot="0">
+            <a:off x="7725410" y="365125"/>
+            <a:ext cx="2174240" cy="706755"/>
           </a:xfrm>
-          <a:prstGeom prst="rect">
-            <a:avLst/>
-          </a:prstGeom>
+          <a:prstGeom prst="rect"/>
           <a:solidFill>
             <a:schemeClr val="accent1">
               <a:lumMod val="20000"/>
               <a:lumOff val="80000"/>
             </a:schemeClr>
           </a:solidFill>
-          <a:ln>
+          <a:ln w="0" cap="flat" cmpd="sng">
             <a:solidFill>
-              <a:schemeClr val="tx1"/>
+              <a:schemeClr val="tx1">
+                <a:alpha val="100000"/>
+              </a:schemeClr>
             </a:solidFill>
+            <a:prstDash val="solid"/>
           </a:ln>
         </p:spPr>
         <p:txBody>
-          <a:bodyPr wrap="square" rtlCol="0">
+          <a:bodyPr wrap="square" lIns="91440" tIns="45720" rIns="91440" bIns="45720" numCol="1" vert="horz" anchor="t">
             <a:spAutoFit/>
           </a:bodyPr>
           <a:lstStyle/>
           <a:p>
+            <a:pPr marL="0" indent="0" algn="l" fontAlgn="auto" defTabSz="914400" eaLnBrk="0">
+              <a:lnSpc>
+                <a:spcPct val="100000"/>
+              </a:lnSpc>
+              <a:spcBef>
+                <a:spcPts val="0"/>
+              </a:spcBef>
+              <a:spcAft>
+                <a:spcPts val="0"/>
+              </a:spcAft>
+              <a:buFontTx/>
+              <a:buNone/>
+            </a:pPr>
             <a:r>
-              <a:rPr lang="ko-KR" altLang="en-US" sz="1600" dirty="0" err="1" smtClean="0">
-                <a:latin typeface="+mj-ea"/>
-                <a:ea typeface="+mj-ea"/>
+              <a:rPr lang="en-US" altLang="ko-KR" sz="2000" cap="none" dirty="0" smtClean="0" b="0">
+                <a:latin typeface="나눔고딕 ExtraBold" charset="0"/>
+                <a:ea typeface="나눔고딕 ExtraBold" charset="0"/>
               </a:rPr>
-              <a:t>유닛을</a:t>
+              <a:t>유닛을 위에 </a:t>
             </a:r>
-            <a:r>
-              <a:rPr lang="ko-KR" altLang="en-US" sz="1600" dirty="0" smtClean="0">
-                <a:latin typeface="+mj-ea"/>
-                <a:ea typeface="+mj-ea"/>
-              </a:rPr>
-              <a:t> 위에 </a:t>
-            </a:r>
-            <a:endParaRPr lang="en-US" altLang="ko-KR" sz="1600" dirty="0" smtClean="0">
-              <a:latin typeface="+mj-ea"/>
-              <a:ea typeface="+mj-ea"/>
+            <a:endParaRPr lang="ko-KR" altLang="en-US" sz="2000" cap="none" dirty="0" smtClean="0" b="0">
+              <a:latin typeface="나눔고딕 ExtraBold" charset="0"/>
+              <a:ea typeface="나눔고딕 ExtraBold" charset="0"/>
             </a:endParaRPr>
           </a:p>
           <a:p>
+            <a:pPr marL="0" indent="0" algn="l" fontAlgn="auto" defTabSz="914400" eaLnBrk="0">
+              <a:lnSpc>
+                <a:spcPct val="100000"/>
+              </a:lnSpc>
+              <a:spcBef>
+                <a:spcPts val="0"/>
+              </a:spcBef>
+              <a:spcAft>
+                <a:spcPts val="0"/>
+              </a:spcAft>
+              <a:buFontTx/>
+              <a:buNone/>
+            </a:pPr>
             <a:r>
-              <a:rPr lang="ko-KR" altLang="en-US" sz="1600" dirty="0" smtClean="0">
-                <a:latin typeface="+mj-ea"/>
-                <a:ea typeface="+mj-ea"/>
+              <a:rPr lang="en-US" altLang="ko-KR" sz="2000" cap="none" dirty="0" smtClean="0" b="0">
+                <a:latin typeface="나눔고딕 ExtraBold" charset="0"/>
+                <a:ea typeface="나눔고딕 ExtraBold" charset="0"/>
               </a:rPr>
               <a:t>올려서 뽑기</a:t>
             </a:r>
-            <a:endParaRPr lang="ko-KR" altLang="en-US" sz="1600" dirty="0">
-              <a:latin typeface="+mj-ea"/>
-              <a:ea typeface="+mj-ea"/>
+            <a:endParaRPr lang="ko-KR" altLang="en-US" sz="2000" cap="none" dirty="0" smtClean="0" b="0">
+              <a:latin typeface="나눔고딕 ExtraBold" charset="0"/>
+              <a:ea typeface="나눔고딕 ExtraBold" charset="0"/>
             </a:endParaRPr>
           </a:p>
         </p:txBody>
@@ -11175,8 +11092,8 @@
         </p:nvSpPr>
         <p:spPr>
           <a:xfrm rot="0">
-            <a:off x="5472430" y="377825"/>
-            <a:ext cx="1562735" cy="895350"/>
+            <a:off x="5426075" y="191135"/>
+            <a:ext cx="2082165" cy="1208405"/>
           </a:xfrm>
           <a:prstGeom prst="wedgeRoundRectCallout"/>
           <a:solidFill>
@@ -11246,8 +11163,8 @@
         </p:nvSpPr>
         <p:spPr>
           <a:xfrm rot="0">
-            <a:off x="5621020" y="461645"/>
-            <a:ext cx="1346200" cy="584835"/>
+            <a:off x="5496560" y="384175"/>
+            <a:ext cx="2198370" cy="829945"/>
           </a:xfrm>
           <a:prstGeom prst="rect"/>
           <a:noFill/>
@@ -11272,13 +11189,13 @@
               <a:buNone/>
             </a:pPr>
             <a:r>
-              <a:rPr lang="en-US" altLang="ko-KR" sz="1600" cap="none" dirty="0" smtClean="0" b="0">
+              <a:rPr lang="en-US" altLang="ko-KR" sz="2400" cap="none" dirty="0" smtClean="0" b="0">
                 <a:latin typeface="나눔고딕 ExtraBold" charset="0"/>
                 <a:ea typeface="나눔고딕 ExtraBold" charset="0"/>
               </a:rPr>
               <a:t>커서을 통해 </a:t>
             </a:r>
-            <a:endParaRPr lang="ko-KR" altLang="en-US" sz="1600" cap="none" dirty="0" smtClean="0" b="0">
+            <a:endParaRPr lang="ko-KR" altLang="en-US" sz="2400" cap="none" dirty="0" smtClean="0" b="0">
               <a:latin typeface="나눔고딕 ExtraBold" charset="0"/>
               <a:ea typeface="나눔고딕 ExtraBold" charset="0"/>
             </a:endParaRPr>
@@ -11298,19 +11215,132 @@
               <a:buNone/>
             </a:pPr>
             <a:r>
-              <a:rPr lang="en-US" altLang="ko-KR" sz="1600" cap="none" dirty="0" smtClean="0" b="0">
+              <a:rPr lang="en-US" altLang="ko-KR" sz="2400" cap="none" dirty="0" smtClean="0" b="0">
                 <a:latin typeface="나눔고딕 ExtraBold" charset="0"/>
                 <a:ea typeface="나눔고딕 ExtraBold" charset="0"/>
               </a:rPr>
               <a:t>유닛 이동</a:t>
             </a:r>
-            <a:endParaRPr lang="ko-KR" altLang="en-US" sz="1600" cap="none" dirty="0" smtClean="0" b="0">
+            <a:endParaRPr lang="ko-KR" altLang="en-US" sz="2400" cap="none" dirty="0" smtClean="0" b="0">
               <a:latin typeface="나눔고딕 ExtraBold" charset="0"/>
               <a:ea typeface="나눔고딕 ExtraBold" charset="0"/>
             </a:endParaRPr>
           </a:p>
         </p:txBody>
       </p:sp>
+      <p:sp>
+        <p:nvSpPr>
+          <p:cNvPr id="117" name="TextBox 116"/>
+          <p:cNvSpPr txBox="1">
+            <a:spLocks/>
+          </p:cNvSpPr>
+          <p:nvPr/>
+        </p:nvSpPr>
+        <p:spPr>
+          <a:xfrm rot="0">
+            <a:off x="6714490" y="4833620"/>
+            <a:ext cx="994410" cy="522604"/>
+          </a:xfrm>
+          <a:prstGeom prst="rect"/>
+          <a:noFill/>
+        </p:spPr>
+        <p:txBody>
+          <a:bodyPr wrap="square" lIns="91440" tIns="45720" rIns="91440" bIns="45720" vert="horz" anchor="t">
+            <a:spAutoFit/>
+          </a:bodyPr>
+          <a:lstStyle/>
+          <a:p>
+            <a:pPr marL="0" indent="0" algn="l" fontAlgn="auto" defTabSz="914400" eaLnBrk="0">
+              <a:lnSpc>
+                <a:spcPct val="100000"/>
+              </a:lnSpc>
+              <a:spcBef>
+                <a:spcPts val="0"/>
+              </a:spcBef>
+              <a:spcAft>
+                <a:spcPts val="0"/>
+              </a:spcAft>
+              <a:buFontTx/>
+              <a:buNone/>
+            </a:pPr>
+            <a:r>
+              <a:rPr lang="en-US" altLang="ko-KR" sz="2800" cap="none" dirty="0" smtClean="0" b="0">
+                <a:solidFill>
+                  <a:srgbClr val="000000"/>
+                </a:solidFill>
+                <a:latin typeface="나눔고딕 ExtraBold" charset="0"/>
+                <a:ea typeface="나눔고딕 ExtraBold" charset="0"/>
+              </a:rPr>
+              <a:t>유닛</a:t>
+            </a:r>
+            <a:endParaRPr lang="ko-KR" altLang="en-US" sz="2800" cap="none" dirty="0" smtClean="0" b="0">
+              <a:solidFill>
+                <a:srgbClr val="000000"/>
+              </a:solidFill>
+              <a:latin typeface="나눔고딕 ExtraBold" charset="0"/>
+              <a:ea typeface="나눔고딕 ExtraBold" charset="0"/>
+            </a:endParaRPr>
+          </a:p>
+        </p:txBody>
+      </p:sp>
+      <p:pic>
+        <p:nvPicPr>
+          <p:cNvPr id="118" name="그림 117" descr="C:/Users/didxo/AppData/Roaming/PolarisOffice/ETemp/23960_7063752/fImage1502203168467.jpeg"/>
+          <p:cNvPicPr>
+            <a:picLocks noChangeAspect="1"/>
+          </p:cNvPicPr>
+          <p:nvPr/>
+        </p:nvPicPr>
+        <p:blipFill rotWithShape="1">
+          <a:blip r:embed="rId1">
+            <a:extLst>
+              <a:ext uri="{28A0092B-C50C-407E-A947-70E740481C1C}">
+                <a14:useLocalDpi xmlns:a14="http://schemas.microsoft.com/office/drawing/2010/main" val="0"/>
+              </a:ext>
+            </a:extLst>
+          </a:blip>
+          <a:stretch>
+            <a:fillRect/>
+          </a:stretch>
+        </p:blipFill>
+        <p:spPr>
+          <a:xfrm rot="0">
+            <a:off x="118745" y="2192020"/>
+            <a:ext cx="3270885" cy="2380615"/>
+          </a:xfrm>
+          <a:prstGeom prst="rect"/>
+          <a:noFill/>
+        </p:spPr>
+      </p:pic>
+      <p:pic>
+        <p:nvPicPr>
+          <p:cNvPr id="119" name="그림 118" descr="C:/Users/didxo/AppData/Roaming/PolarisOffice/ETemp/23960_7063752/fImage241933186334.png"/>
+          <p:cNvPicPr>
+            <a:picLocks noChangeAspect="1"/>
+          </p:cNvPicPr>
+          <p:nvPr/>
+        </p:nvPicPr>
+        <p:blipFill rotWithShape="1">
+          <a:blip r:embed="rId2">
+            <a:extLst>
+              <a:ext uri="{28A0092B-C50C-407E-A947-70E740481C1C}">
+                <a14:useLocalDpi xmlns:a14="http://schemas.microsoft.com/office/drawing/2010/main" val="0"/>
+              </a:ext>
+            </a:extLst>
+          </a:blip>
+          <a:stretch>
+            <a:fillRect/>
+          </a:stretch>
+        </p:blipFill>
+        <p:spPr>
+          <a:xfrm rot="0">
+            <a:off x="5287645" y="2416810"/>
+            <a:ext cx="3810635" cy="2381885"/>
+          </a:xfrm>
+          <a:prstGeom prst="rect"/>
+          <a:noFill/>
+        </p:spPr>
+      </p:pic>
     </p:spTree>
     <p:extLst>
       <p:ext uri="{BB962C8B-B14F-4D97-AF65-F5344CB8AC3E}">
@@ -11705,26 +11735,26 @@
         </p:nvGrpSpPr>
         <p:grpSpPr>
           <a:xfrm>
-            <a:off x="548005" y="2294255"/>
+            <a:off x="548005" y="2154555"/>
             <a:ext cx="4582160" cy="4388485"/>
-            <a:chOff x="548005" y="2294255"/>
+            <a:chOff x="548005" y="2154555"/>
             <a:chExt cx="4582160" cy="4388485"/>
           </a:xfrm>
         </p:grpSpPr>
         <p:sp>
           <p:nvSpPr>
             <p:cNvPr id="35" name="직사각형 34"/>
-            <p:cNvSpPr/>
+            <p:cNvSpPr>
+              <a:spLocks/>
+            </p:cNvSpPr>
             <p:nvPr/>
           </p:nvSpPr>
           <p:spPr>
-            <a:xfrm>
-              <a:off x="548005" y="2294255"/>
-              <a:ext cx="4582160" cy="3030220"/>
+            <a:xfrm rot="0">
+              <a:off x="548005" y="2154555"/>
+              <a:ext cx="4582795" cy="3030855"/>
             </a:xfrm>
-            <a:prstGeom prst="rect">
-              <a:avLst/>
-            </a:prstGeom>
+            <a:prstGeom prst="rect"/>
             <a:solidFill>
               <a:schemeClr val="accent5">
                 <a:lumMod val="40000"/>
@@ -11749,38 +11779,58 @@
             </a:fontRef>
           </p:style>
           <p:txBody>
-            <a:bodyPr rtlCol="0" anchor="ctr"/>
+            <a:bodyPr wrap="square" lIns="91440" tIns="45720" rIns="91440" bIns="45720" numCol="1" vert="horz" anchor="ctr">
+              <a:noAutofit/>
+            </a:bodyPr>
             <a:lstStyle/>
             <a:p>
-              <a:pPr algn="ctr"/>
-              <a:endParaRPr lang="ko-KR" altLang="en-US"/>
+              <a:pPr marL="0" indent="0" algn="ctr" fontAlgn="auto" defTabSz="914400" eaLnBrk="0">
+                <a:lnSpc>
+                  <a:spcPct val="100000"/>
+                </a:lnSpc>
+                <a:spcBef>
+                  <a:spcPts val="0"/>
+                </a:spcBef>
+                <a:spcAft>
+                  <a:spcPts val="0"/>
+                </a:spcAft>
+                <a:buFontTx/>
+                <a:buNone/>
+              </a:pPr>
+              <a:endParaRPr lang="ko-KR" altLang="en-US" sz="1800" cap="none" dirty="0" smtClean="0" b="0">
+                <a:latin typeface="나눔고딕" charset="0"/>
+                <a:ea typeface="나눔고딕" charset="0"/>
+              </a:endParaRPr>
             </a:p>
           </p:txBody>
         </p:sp>
         <p:sp>
           <p:nvSpPr>
             <p:cNvPr id="30" name="타원 29"/>
-            <p:cNvSpPr/>
+            <p:cNvSpPr>
+              <a:spLocks/>
+            </p:cNvSpPr>
             <p:nvPr/>
           </p:nvSpPr>
           <p:spPr>
-            <a:xfrm>
-              <a:off x="3553460" y="3109595"/>
-              <a:ext cx="431800" cy="431800"/>
+            <a:xfrm rot="0">
+              <a:off x="3553460" y="2969895"/>
+              <a:ext cx="432435" cy="432435"/>
             </a:xfrm>
-            <a:prstGeom prst="ellipse">
-              <a:avLst/>
-            </a:prstGeom>
+            <a:prstGeom prst="ellipse"/>
             <a:solidFill>
               <a:schemeClr val="accent3">
                 <a:lumMod val="60000"/>
                 <a:lumOff val="40000"/>
               </a:schemeClr>
             </a:solidFill>
-            <a:ln>
+            <a:ln w="25400" cap="flat" cmpd="sng">
               <a:solidFill>
-                <a:schemeClr val="tx1"/>
+                <a:schemeClr val="tx1">
+                  <a:alpha val="100000"/>
+                </a:schemeClr>
               </a:solidFill>
+              <a:prstDash val="solid"/>
             </a:ln>
           </p:spPr>
           <p:style>
@@ -11800,35 +11850,55 @@
             </a:fontRef>
           </p:style>
           <p:txBody>
-            <a:bodyPr rtlCol="0" anchor="ctr"/>
+            <a:bodyPr wrap="square" lIns="91440" tIns="45720" rIns="91440" bIns="45720" numCol="1" vert="horz" anchor="ctr">
+              <a:noAutofit/>
+            </a:bodyPr>
             <a:lstStyle/>
             <a:p>
-              <a:pPr algn="ctr"/>
-              <a:endParaRPr lang="ko-KR" altLang="en-US"/>
+              <a:pPr marL="0" indent="0" algn="ctr" fontAlgn="auto" defTabSz="914400" eaLnBrk="0">
+                <a:lnSpc>
+                  <a:spcPct val="100000"/>
+                </a:lnSpc>
+                <a:spcBef>
+                  <a:spcPts val="0"/>
+                </a:spcBef>
+                <a:spcAft>
+                  <a:spcPts val="0"/>
+                </a:spcAft>
+                <a:buFontTx/>
+                <a:buNone/>
+              </a:pPr>
+              <a:endParaRPr lang="ko-KR" altLang="en-US" sz="1800" cap="none" dirty="0" smtClean="0" b="0">
+                <a:latin typeface="나눔고딕" charset="0"/>
+                <a:ea typeface="나눔고딕" charset="0"/>
+              </a:endParaRPr>
             </a:p>
           </p:txBody>
         </p:sp>
         <p:sp>
           <p:nvSpPr>
             <p:cNvPr id="115" name="타원 114"/>
-            <p:cNvSpPr/>
+            <p:cNvSpPr>
+              <a:spLocks/>
+            </p:cNvSpPr>
             <p:nvPr/>
           </p:nvSpPr>
           <p:spPr>
-            <a:xfrm>
-              <a:off x="1457960" y="3074035"/>
-              <a:ext cx="504190" cy="504190"/>
+            <a:xfrm rot="0">
+              <a:off x="1457960" y="2934335"/>
+              <a:ext cx="504825" cy="504825"/>
             </a:xfrm>
-            <a:prstGeom prst="ellipse">
-              <a:avLst/>
-            </a:prstGeom>
+            <a:prstGeom prst="ellipse"/>
             <a:solidFill>
               <a:srgbClr val="FF3F3F"/>
             </a:solidFill>
-            <a:ln>
+            <a:ln w="25400" cap="flat" cmpd="sng">
               <a:solidFill>
-                <a:schemeClr val="tx1"/>
+                <a:schemeClr val="tx1">
+                  <a:alpha val="100000"/>
+                </a:schemeClr>
               </a:solidFill>
+              <a:prstDash val="solid"/>
             </a:ln>
           </p:spPr>
           <p:style>
@@ -11848,28 +11918,45 @@
             </a:fontRef>
           </p:style>
           <p:txBody>
-            <a:bodyPr rtlCol="0" anchor="ctr"/>
+            <a:bodyPr wrap="square" lIns="91440" tIns="45720" rIns="91440" bIns="45720" numCol="1" vert="horz" anchor="ctr">
+              <a:noAutofit/>
+            </a:bodyPr>
             <a:lstStyle/>
             <a:p>
-              <a:pPr algn="ctr"/>
-              <a:endParaRPr lang="ko-KR" altLang="en-US"/>
+              <a:pPr marL="0" indent="0" algn="ctr" fontAlgn="auto" defTabSz="914400" eaLnBrk="0">
+                <a:lnSpc>
+                  <a:spcPct val="100000"/>
+                </a:lnSpc>
+                <a:spcBef>
+                  <a:spcPts val="0"/>
+                </a:spcBef>
+                <a:spcAft>
+                  <a:spcPts val="0"/>
+                </a:spcAft>
+                <a:buFontTx/>
+                <a:buNone/>
+              </a:pPr>
+              <a:endParaRPr lang="ko-KR" altLang="en-US" sz="1800" cap="none" dirty="0" smtClean="0" b="0">
+                <a:latin typeface="나눔고딕" charset="0"/>
+                <a:ea typeface="나눔고딕" charset="0"/>
+              </a:endParaRPr>
             </a:p>
           </p:txBody>
         </p:sp>
         <p:sp>
           <p:nvSpPr>
             <p:cNvPr id="116" name="직사각형 115"/>
-            <p:cNvSpPr/>
+            <p:cNvSpPr>
+              <a:spLocks/>
+            </p:cNvSpPr>
             <p:nvPr/>
           </p:nvSpPr>
           <p:spPr>
-            <a:xfrm>
-              <a:off x="2638425" y="2680970"/>
-              <a:ext cx="433070" cy="1368425"/>
+            <a:xfrm rot="0">
+              <a:off x="2638425" y="2541270"/>
+              <a:ext cx="433705" cy="1369060"/>
             </a:xfrm>
-            <a:prstGeom prst="rect">
-              <a:avLst/>
-            </a:prstGeom>
+            <a:prstGeom prst="rect"/>
             <a:solidFill>
               <a:schemeClr val="bg2">
                 <a:lumMod val="90000"/>
@@ -11893,165 +11980,136 @@
             </a:fontRef>
           </p:style>
           <p:txBody>
-            <a:bodyPr rtlCol="0" anchor="ctr"/>
+            <a:bodyPr wrap="square" lIns="91440" tIns="45720" rIns="91440" bIns="45720" numCol="1" vert="horz" anchor="ctr">
+              <a:noAutofit/>
+            </a:bodyPr>
             <a:lstStyle/>
             <a:p>
-              <a:pPr algn="ctr"/>
-              <a:endParaRPr lang="ko-KR" altLang="en-US"/>
+              <a:pPr marL="0" indent="0" algn="ctr" fontAlgn="auto" defTabSz="914400" eaLnBrk="0">
+                <a:lnSpc>
+                  <a:spcPct val="100000"/>
+                </a:lnSpc>
+                <a:spcBef>
+                  <a:spcPts val="0"/>
+                </a:spcBef>
+                <a:spcAft>
+                  <a:spcPts val="0"/>
+                </a:spcAft>
+                <a:buFontTx/>
+                <a:buNone/>
+              </a:pPr>
+              <a:endParaRPr lang="ko-KR" altLang="en-US" sz="1800" cap="none" dirty="0" smtClean="0" b="0">
+                <a:latin typeface="나눔고딕" charset="0"/>
+                <a:ea typeface="나눔고딕" charset="0"/>
+              </a:endParaRPr>
             </a:p>
           </p:txBody>
         </p:sp>
         <p:sp>
           <p:nvSpPr>
             <p:cNvPr id="31" name="TextBox 30"/>
-            <p:cNvSpPr txBox="1"/>
+            <p:cNvSpPr txBox="1">
+              <a:spLocks/>
+            </p:cNvSpPr>
             <p:nvPr/>
           </p:nvSpPr>
           <p:spPr>
-            <a:xfrm>
-              <a:off x="621665" y="5436235"/>
-              <a:ext cx="4420870" cy="1246505"/>
+            <a:xfrm rot="0">
+              <a:off x="621665" y="5296535"/>
+              <a:ext cx="4421505" cy="1477010"/>
             </a:xfrm>
-            <a:prstGeom prst="rect">
-              <a:avLst/>
-            </a:prstGeom>
+            <a:prstGeom prst="rect"/>
             <a:noFill/>
-            <a:ln w="28575">
+            <a:ln w="28575" cap="flat" cmpd="sng">
               <a:solidFill>
-                <a:schemeClr val="tx1"/>
+                <a:schemeClr val="tx1">
+                  <a:alpha val="100000"/>
+                </a:schemeClr>
               </a:solidFill>
+              <a:prstDash val="solid"/>
             </a:ln>
           </p:spPr>
           <p:txBody>
-            <a:bodyPr wrap="square" rtlCol="0">
+            <a:bodyPr wrap="square" lIns="91440" tIns="45720" rIns="91440" bIns="45720" numCol="1" vert="horz" anchor="t">
               <a:spAutoFit/>
             </a:bodyPr>
             <a:lstStyle/>
             <a:p>
-              <a:pPr algn="ctr">
+              <a:pPr marL="0" indent="0" algn="ctr" fontAlgn="auto" defTabSz="914400" eaLnBrk="0">
                 <a:lnSpc>
                   <a:spcPct val="150000"/>
                 </a:lnSpc>
+                <a:spcBef>
+                  <a:spcPts val="0"/>
+                </a:spcBef>
+                <a:spcAft>
+                  <a:spcPts val="0"/>
+                </a:spcAft>
+                <a:buFontTx/>
+                <a:buNone/>
               </a:pPr>
               <a:r>
-                <a:rPr lang="ko-KR" altLang="en-US" sz="1600" dirty="0" smtClean="0">
-                  <a:latin typeface="+mj-ea"/>
-                  <a:ea typeface="+mj-ea"/>
+                <a:rPr lang="en-US" altLang="ko-KR" sz="2000" cap="none" dirty="0" smtClean="0" b="0">
+                  <a:latin typeface="나눔고딕 ExtraBold" charset="0"/>
+                  <a:ea typeface="나눔고딕 ExtraBold" charset="0"/>
                 </a:rPr>
-                <a:t>기본 </a:t>
+                <a:t>기본 유닛 한명.  </a:t>
               </a:r>
-              <a:r>
-                <a:rPr lang="ko-KR" altLang="en-US" sz="1600" dirty="0" err="1" smtClean="0">
-                  <a:latin typeface="+mj-ea"/>
-                  <a:ea typeface="+mj-ea"/>
-                </a:rPr>
-                <a:t>유닛</a:t>
-              </a:r>
-              <a:r>
-                <a:rPr lang="ko-KR" altLang="en-US" sz="1600" dirty="0" smtClean="0">
-                  <a:latin typeface="+mj-ea"/>
-                  <a:ea typeface="+mj-ea"/>
-                </a:rPr>
-                <a:t> </a:t>
-              </a:r>
-              <a:r>
-                <a:rPr lang="ko-KR" altLang="en-US" sz="1600" dirty="0" err="1" smtClean="0">
-                  <a:latin typeface="+mj-ea"/>
-                  <a:ea typeface="+mj-ea"/>
-                </a:rPr>
-                <a:t>한명</a:t>
-              </a:r>
-              <a:r>
-                <a:rPr lang="en-US" altLang="ko-KR" sz="1600" dirty="0" smtClean="0">
-                  <a:latin typeface="+mj-ea"/>
-                  <a:ea typeface="+mj-ea"/>
-                </a:rPr>
-                <a:t>.  </a:t>
-              </a:r>
+              <a:endParaRPr lang="ko-KR" altLang="en-US" sz="2000" cap="none" dirty="0" smtClean="0" b="0">
+                <a:latin typeface="나눔고딕 ExtraBold" charset="0"/>
+                <a:ea typeface="나눔고딕 ExtraBold" charset="0"/>
+              </a:endParaRPr>
             </a:p>
             <a:p>
-              <a:pPr algn="ctr">
+              <a:pPr marL="0" indent="0" algn="ctr" fontAlgn="auto" defTabSz="914400" eaLnBrk="0">
                 <a:lnSpc>
                   <a:spcPct val="150000"/>
                 </a:lnSpc>
+                <a:spcBef>
+                  <a:spcPts val="0"/>
+                </a:spcBef>
+                <a:spcAft>
+                  <a:spcPts val="0"/>
+                </a:spcAft>
+                <a:buFontTx/>
+                <a:buNone/>
               </a:pPr>
               <a:r>
-                <a:rPr lang="ko-KR" altLang="en-US" sz="1600" dirty="0" err="1" smtClean="0">
-                  <a:latin typeface="+mj-ea"/>
-                  <a:ea typeface="+mj-ea"/>
+                <a:rPr lang="en-US" altLang="ko-KR" sz="2000" cap="none" dirty="0" smtClean="0" b="0">
+                  <a:latin typeface="나눔고딕 ExtraBold" charset="0"/>
+                  <a:ea typeface="나눔고딕 ExtraBold" charset="0"/>
                 </a:rPr>
-                <a:t>유닛들은</a:t>
+                <a:t>유닛들은 성벽안에서  공격.</a:t>
               </a:r>
-              <a:r>
-                <a:rPr lang="en-US" altLang="ko-KR" sz="1600" dirty="0" smtClean="0">
-                  <a:latin typeface="+mj-ea"/>
-                  <a:ea typeface="+mj-ea"/>
-                </a:rPr>
-                <a:t> </a:t>
-              </a:r>
-              <a:r>
-                <a:rPr lang="ko-KR" altLang="en-US" sz="1600" dirty="0" err="1" smtClean="0">
-                  <a:latin typeface="+mj-ea"/>
-                  <a:ea typeface="+mj-ea"/>
-                </a:rPr>
-                <a:t>성벽안에서</a:t>
-              </a:r>
-              <a:r>
-                <a:rPr lang="ko-KR" altLang="en-US" sz="1600" dirty="0" smtClean="0">
-                  <a:latin typeface="+mj-ea"/>
-                  <a:ea typeface="+mj-ea"/>
-                </a:rPr>
-                <a:t>  </a:t>
-              </a:r>
-              <a:r>
-                <a:rPr lang="ko-KR" altLang="en-US" sz="1600" dirty="0" smtClean="0">
-                  <a:latin typeface="+mj-ea"/>
-                  <a:ea typeface="+mj-ea"/>
-                </a:rPr>
-                <a:t>공격</a:t>
-              </a:r>
-              <a:r>
-                <a:rPr lang="en-US" altLang="ko-KR" sz="1600" dirty="0">
-                  <a:latin typeface="+mj-ea"/>
-                  <a:ea typeface="+mj-ea"/>
-                </a:rPr>
-                <a:t>.</a:t>
-              </a:r>
-              <a:endParaRPr lang="en-US" altLang="ko-KR" sz="1600" dirty="0" smtClean="0">
-                <a:latin typeface="+mj-ea"/>
-                <a:ea typeface="+mj-ea"/>
+              <a:endParaRPr lang="ko-KR" altLang="en-US" sz="2000" cap="none" dirty="0" smtClean="0" b="0">
+                <a:latin typeface="나눔고딕 ExtraBold" charset="0"/>
+                <a:ea typeface="나눔고딕 ExtraBold" charset="0"/>
               </a:endParaRPr>
             </a:p>
             <a:p>
-              <a:pPr algn="ctr">
+              <a:pPr marL="0" indent="0" algn="ctr" fontAlgn="auto" defTabSz="914400" eaLnBrk="0">
                 <a:lnSpc>
                   <a:spcPct val="150000"/>
                 </a:lnSpc>
+                <a:spcBef>
+                  <a:spcPts val="0"/>
+                </a:spcBef>
+                <a:spcAft>
+                  <a:spcPts val="0"/>
+                </a:spcAft>
+                <a:buFontTx/>
+                <a:buNone/>
               </a:pPr>
               <a:r>
-                <a:rPr lang="ko-KR" altLang="en-US" sz="1600" dirty="0" err="1" smtClean="0">
-                  <a:latin typeface="+mj-ea"/>
-                  <a:ea typeface="+mj-ea"/>
+                <a:rPr lang="en-US" altLang="ko-KR" sz="2000" cap="none" dirty="0" smtClean="0" b="0">
+                  <a:latin typeface="나눔고딕 ExtraBold" charset="0"/>
+                  <a:ea typeface="나눔고딕 ExtraBold" charset="0"/>
                 </a:rPr>
-                <a:t>몬스터를</a:t>
+                <a:t>몬스터를 잡으면 금화 획득.</a:t>
               </a:r>
-              <a:r>
-                <a:rPr lang="ko-KR" altLang="en-US" sz="1600" dirty="0" smtClean="0">
-                  <a:latin typeface="+mj-ea"/>
-                  <a:ea typeface="+mj-ea"/>
-                </a:rPr>
-                <a:t> 잡으면 금화 획득</a:t>
-              </a:r>
-              <a:r>
-                <a:rPr lang="en-US" altLang="ko-KR" sz="1600" dirty="0" smtClean="0">
-                  <a:latin typeface="+mj-ea"/>
-                  <a:ea typeface="+mj-ea"/>
-                </a:rPr>
-                <a:t>.</a:t>
-              </a:r>
-              <a:endParaRPr lang="ko-KR" altLang="en-US" sz="1600" dirty="0">
-                <a:latin typeface="+mj-ea"/>
-                <a:ea typeface="+mj-ea"/>
+              <a:endParaRPr lang="ko-KR" altLang="en-US" sz="2000" cap="none" dirty="0" smtClean="0" b="0">
+                <a:latin typeface="나눔고딕 ExtraBold" charset="0"/>
+                <a:ea typeface="나눔고딕 ExtraBold" charset="0"/>
               </a:endParaRPr>
             </a:p>
           </p:txBody>
@@ -12059,24 +12117,27 @@
         <p:sp>
           <p:nvSpPr>
             <p:cNvPr id="32" name="오른쪽 화살표 31"/>
-            <p:cNvSpPr/>
+            <p:cNvSpPr>
+              <a:spLocks/>
+            </p:cNvSpPr>
             <p:nvPr/>
           </p:nvSpPr>
           <p:spPr>
             <a:xfrm rot="10800000">
-              <a:off x="2103755" y="2898775"/>
-              <a:ext cx="1332865" cy="853440"/>
+              <a:off x="2103755" y="2759075"/>
+              <a:ext cx="1333500" cy="854075"/>
             </a:xfrm>
-            <a:prstGeom prst="rightArrow">
-              <a:avLst/>
-            </a:prstGeom>
+            <a:prstGeom prst="rightArrow"/>
             <a:solidFill>
               <a:schemeClr val="bg1"/>
             </a:solidFill>
-            <a:ln>
+            <a:ln w="25400" cap="flat" cmpd="sng">
               <a:solidFill>
-                <a:schemeClr val="tx1"/>
+                <a:schemeClr val="tx1">
+                  <a:alpha val="100000"/>
+                </a:schemeClr>
               </a:solidFill>
+              <a:prstDash val="solid"/>
             </a:ln>
           </p:spPr>
           <p:style>
@@ -12096,28 +12157,45 @@
             </a:fontRef>
           </p:style>
           <p:txBody>
-            <a:bodyPr rtlCol="0" anchor="ctr"/>
+            <a:bodyPr wrap="square" lIns="91440" tIns="45720" rIns="91440" bIns="45720" numCol="1" vert="horz" anchor="ctr">
+              <a:noAutofit/>
+            </a:bodyPr>
             <a:lstStyle/>
             <a:p>
-              <a:pPr algn="ctr"/>
-              <a:endParaRPr lang="ko-KR" altLang="en-US" dirty="0"/>
+              <a:pPr marL="0" indent="0" algn="ctr" fontAlgn="auto" defTabSz="914400" eaLnBrk="0">
+                <a:lnSpc>
+                  <a:spcPct val="100000"/>
+                </a:lnSpc>
+                <a:spcBef>
+                  <a:spcPts val="0"/>
+                </a:spcBef>
+                <a:spcAft>
+                  <a:spcPts val="0"/>
+                </a:spcAft>
+                <a:buFontTx/>
+                <a:buNone/>
+              </a:pPr>
+              <a:endParaRPr lang="ko-KR" altLang="en-US" sz="1800" cap="none" dirty="0" smtClean="0" b="0">
+                <a:latin typeface="나눔고딕" charset="0"/>
+                <a:ea typeface="나눔고딕" charset="0"/>
+              </a:endParaRPr>
             </a:p>
           </p:txBody>
         </p:sp>
         <p:sp>
           <p:nvSpPr>
             <p:cNvPr id="33" name="TextBox 32"/>
-            <p:cNvSpPr txBox="1"/>
+            <p:cNvSpPr txBox="1">
+              <a:spLocks/>
+            </p:cNvSpPr>
             <p:nvPr/>
           </p:nvSpPr>
           <p:spPr>
-            <a:xfrm>
-              <a:off x="2541270" y="3156585"/>
-              <a:ext cx="782955" cy="338455"/>
+            <a:xfrm rot="0">
+              <a:off x="2541270" y="3016885"/>
+              <a:ext cx="783590" cy="339090"/>
             </a:xfrm>
-            <a:prstGeom prst="rect">
-              <a:avLst/>
-            </a:prstGeom>
+            <a:prstGeom prst="rect"/>
             <a:noFill/>
           </p:spPr>
           <p:txBody>
@@ -12168,10 +12246,10 @@
         </p:nvGrpSpPr>
         <p:grpSpPr>
           <a:xfrm>
-            <a:off x="6350635" y="2294890"/>
-            <a:ext cx="5174615" cy="4339590"/>
-            <a:chOff x="6350635" y="2294890"/>
-            <a:chExt cx="5174615" cy="4339590"/>
+            <a:off x="5775960" y="2092960"/>
+            <a:ext cx="6068695" cy="4602480"/>
+            <a:chOff x="5775960" y="2092960"/>
+            <a:chExt cx="6068695" cy="4602480"/>
           </a:xfrm>
         </p:grpSpPr>
         <p:sp>
@@ -12184,8 +12262,8 @@
           </p:nvSpPr>
           <p:spPr>
             <a:xfrm rot="0">
-              <a:off x="6541135" y="2294890"/>
-              <a:ext cx="4582795" cy="3030855"/>
+              <a:off x="6463665" y="2092960"/>
+              <a:ext cx="4583430" cy="3031490"/>
             </a:xfrm>
             <a:prstGeom prst="rect"/>
             <a:solidFill>
@@ -12448,8 +12526,8 @@
           </p:nvSpPr>
           <p:spPr>
             <a:xfrm rot="0">
-              <a:off x="6350635" y="5436235"/>
-              <a:ext cx="5175250" cy="1198880"/>
+              <a:off x="5775960" y="5219065"/>
+              <a:ext cx="6069330" cy="1477010"/>
             </a:xfrm>
             <a:prstGeom prst="rect"/>
             <a:noFill/>
@@ -12482,13 +12560,13 @@
                 <a:buNone/>
               </a:pPr>
               <a:r>
-                <a:rPr lang="en-US" altLang="ko-KR" sz="1600" cap="none" dirty="0" smtClean="0" b="0">
+                <a:rPr lang="en-US" altLang="ko-KR" sz="2000" cap="none" dirty="0" smtClean="0" b="0">
                   <a:latin typeface="나눔고딕 ExtraBold" charset="0"/>
                   <a:ea typeface="나눔고딕 ExtraBold" charset="0"/>
                 </a:rPr>
                 <a:t>몬스터도 성벽이 사정거리 안에 들면 성벽을 공격</a:t>
               </a:r>
-              <a:endParaRPr lang="ko-KR" altLang="en-US" sz="1600" cap="none" dirty="0" smtClean="0" b="0">
+              <a:endParaRPr lang="ko-KR" altLang="en-US" sz="2000" cap="none" dirty="0" smtClean="0" b="0">
                 <a:latin typeface="나눔고딕 ExtraBold" charset="0"/>
                 <a:ea typeface="나눔고딕 ExtraBold" charset="0"/>
               </a:endParaRPr>
@@ -12508,13 +12586,13 @@
                 <a:buNone/>
               </a:pPr>
               <a:r>
-                <a:rPr lang="en-US" altLang="ko-KR" sz="1600" cap="none" dirty="0" smtClean="0" b="0">
+                <a:rPr lang="en-US" altLang="ko-KR" sz="2000" cap="none" dirty="0" smtClean="0" b="0">
                   <a:latin typeface="나눔고딕 ExtraBold" charset="0"/>
                   <a:ea typeface="나눔고딕 ExtraBold" charset="0"/>
                 </a:rPr>
                 <a:t>일정 수의 몬스터를 잡으면 스테이지 종료 후</a:t>
               </a:r>
-              <a:endParaRPr lang="ko-KR" altLang="en-US" sz="1600" cap="none" dirty="0" smtClean="0" b="0">
+              <a:endParaRPr lang="ko-KR" altLang="en-US" sz="2000" cap="none" dirty="0" smtClean="0" b="0">
                 <a:latin typeface="나눔고딕 ExtraBold" charset="0"/>
                 <a:ea typeface="나눔고딕 ExtraBold" charset="0"/>
               </a:endParaRPr>
@@ -12534,13 +12612,13 @@
                 <a:buNone/>
               </a:pPr>
               <a:r>
-                <a:rPr lang="en-US" altLang="ko-KR" sz="1600" cap="none" dirty="0" smtClean="0" b="0">
+                <a:rPr lang="en-US" altLang="ko-KR" sz="2000" cap="none" dirty="0" smtClean="0" b="0">
                   <a:latin typeface="나눔고딕 ExtraBold" charset="0"/>
                   <a:ea typeface="나눔고딕 ExtraBold" charset="0"/>
                 </a:rPr>
                 <a:t>휴식기간 후에 다음 스테이지 돌입</a:t>
               </a:r>
-              <a:endParaRPr lang="ko-KR" altLang="en-US" sz="1600" cap="none" dirty="0" smtClean="0" b="0">
+              <a:endParaRPr lang="ko-KR" altLang="en-US" sz="2000" cap="none" dirty="0" smtClean="0" b="0">
                 <a:latin typeface="나눔고딕 ExtraBold" charset="0"/>
                 <a:ea typeface="나눔고딕 ExtraBold" charset="0"/>
               </a:endParaRPr>
@@ -13370,445 +13448,7 @@
       </p:sp>
       <p:sp>
         <p:nvSpPr>
-          <p:cNvPr id="35" name="직사각형 34"/>
-          <p:cNvSpPr/>
-          <p:nvPr/>
-        </p:nvSpPr>
-        <p:spPr>
-          <a:xfrm>
-            <a:off x="294640" y="1934210"/>
-            <a:ext cx="4582160" cy="3030220"/>
-          </a:xfrm>
-          <a:prstGeom prst="rect">
-            <a:avLst/>
-          </a:prstGeom>
-          <a:solidFill>
-            <a:schemeClr val="accent5">
-              <a:lumMod val="40000"/>
-              <a:lumOff val="60000"/>
-            </a:schemeClr>
-          </a:solidFill>
-        </p:spPr>
-        <p:style>
-          <a:lnRef idx="2">
-            <a:schemeClr val="accent1">
-              <a:shade val="50000"/>
-            </a:schemeClr>
-          </a:lnRef>
-          <a:fillRef idx="1">
-            <a:schemeClr val="accent1"/>
-          </a:fillRef>
-          <a:effectRef idx="0">
-            <a:schemeClr val="accent1"/>
-          </a:effectRef>
-          <a:fontRef idx="minor">
-            <a:schemeClr val="lt1"/>
-          </a:fontRef>
-        </p:style>
-        <p:txBody>
-          <a:bodyPr rtlCol="0" anchor="ctr"/>
-          <a:lstStyle/>
-          <a:p>
-            <a:pPr algn="ctr"/>
-            <a:endParaRPr lang="ko-KR" altLang="en-US"/>
-          </a:p>
-        </p:txBody>
-      </p:sp>
-      <p:sp>
-        <p:nvSpPr>
-          <p:cNvPr id="116" name="직사각형 115"/>
-          <p:cNvSpPr/>
-          <p:nvPr/>
-        </p:nvSpPr>
-        <p:spPr>
-          <a:xfrm>
-            <a:off x="682625" y="2798445"/>
-            <a:ext cx="433070" cy="1368425"/>
-          </a:xfrm>
-          <a:prstGeom prst="rect">
-            <a:avLst/>
-          </a:prstGeom>
-          <a:solidFill>
-            <a:schemeClr val="bg2">
-              <a:lumMod val="90000"/>
-            </a:schemeClr>
-          </a:solidFill>
-        </p:spPr>
-        <p:style>
-          <a:lnRef idx="2">
-            <a:schemeClr val="accent1">
-              <a:shade val="50000"/>
-            </a:schemeClr>
-          </a:lnRef>
-          <a:fillRef idx="1">
-            <a:schemeClr val="accent1"/>
-          </a:fillRef>
-          <a:effectRef idx="0">
-            <a:schemeClr val="accent1"/>
-          </a:effectRef>
-          <a:fontRef idx="minor">
-            <a:schemeClr val="lt1"/>
-          </a:fontRef>
-        </p:style>
-        <p:txBody>
-          <a:bodyPr rtlCol="0" anchor="ctr"/>
-          <a:lstStyle/>
-          <a:p>
-            <a:pPr algn="ctr"/>
-            <a:endParaRPr lang="ko-KR" altLang="en-US"/>
-          </a:p>
-        </p:txBody>
-      </p:sp>
-      <p:sp>
-        <p:nvSpPr>
           <p:cNvPr id="31" name="TextBox 30"/>
-          <p:cNvSpPr txBox="1"/>
-          <p:nvPr/>
-        </p:nvSpPr>
-        <p:spPr>
-          <a:xfrm>
-            <a:off x="921385" y="5148580"/>
-            <a:ext cx="3211195" cy="1200150"/>
-          </a:xfrm>
-          <a:prstGeom prst="rect">
-            <a:avLst/>
-          </a:prstGeom>
-          <a:noFill/>
-          <a:ln w="28575">
-            <a:solidFill>
-              <a:schemeClr val="tx1"/>
-            </a:solidFill>
-          </a:ln>
-        </p:spPr>
-        <p:txBody>
-          <a:bodyPr wrap="square" rtlCol="0">
-            <a:spAutoFit/>
-          </a:bodyPr>
-          <a:lstStyle/>
-          <a:p>
-            <a:pPr algn="ctr">
-              <a:lnSpc>
-                <a:spcPct val="150000"/>
-              </a:lnSpc>
-            </a:pPr>
-            <a:r>
-              <a:rPr lang="ko-KR" altLang="en-US" sz="1600" dirty="0" err="1" smtClean="0">
-                <a:latin typeface="+mj-ea"/>
-                <a:ea typeface="+mj-ea"/>
-              </a:rPr>
-              <a:t>유닛뽑기장소에</a:t>
-            </a:r>
-            <a:r>
-              <a:rPr lang="ko-KR" altLang="en-US" sz="1600" dirty="0" smtClean="0">
-                <a:latin typeface="+mj-ea"/>
-                <a:ea typeface="+mj-ea"/>
-              </a:rPr>
-              <a:t> </a:t>
-            </a:r>
-            <a:r>
-              <a:rPr lang="ko-KR" altLang="en-US" sz="1600" dirty="0" err="1" smtClean="0">
-                <a:latin typeface="+mj-ea"/>
-                <a:ea typeface="+mj-ea"/>
-              </a:rPr>
-              <a:t>유닛을</a:t>
-            </a:r>
-            <a:r>
-              <a:rPr lang="ko-KR" altLang="en-US" sz="1600" dirty="0" smtClean="0">
-                <a:latin typeface="+mj-ea"/>
-                <a:ea typeface="+mj-ea"/>
-              </a:rPr>
-              <a:t> 넣으면</a:t>
-            </a:r>
-            <a:endParaRPr lang="en-US" altLang="ko-KR" sz="1600" dirty="0" smtClean="0">
-              <a:latin typeface="+mj-ea"/>
-              <a:ea typeface="+mj-ea"/>
-            </a:endParaRPr>
-          </a:p>
-          <a:p>
-            <a:pPr algn="ctr">
-              <a:lnSpc>
-                <a:spcPct val="150000"/>
-              </a:lnSpc>
-            </a:pPr>
-            <a:r>
-              <a:rPr lang="ko-KR" altLang="en-US" sz="1600" dirty="0" smtClean="0">
-                <a:latin typeface="+mj-ea"/>
-                <a:ea typeface="+mj-ea"/>
-              </a:rPr>
-              <a:t>골드를 소비해서 무작위로 </a:t>
-            </a:r>
-            <a:endParaRPr lang="en-US" altLang="ko-KR" sz="1600" dirty="0" smtClean="0">
-              <a:latin typeface="+mj-ea"/>
-              <a:ea typeface="+mj-ea"/>
-            </a:endParaRPr>
-          </a:p>
-          <a:p>
-            <a:pPr algn="ctr">
-              <a:lnSpc>
-                <a:spcPct val="150000"/>
-              </a:lnSpc>
-            </a:pPr>
-            <a:r>
-              <a:rPr lang="ko-KR" altLang="en-US" sz="1600" dirty="0" err="1" smtClean="0">
-                <a:latin typeface="+mj-ea"/>
-                <a:ea typeface="+mj-ea"/>
-              </a:rPr>
-              <a:t>유닛을</a:t>
-            </a:r>
-            <a:r>
-              <a:rPr lang="ko-KR" altLang="en-US" sz="1600" dirty="0" smtClean="0">
-                <a:latin typeface="+mj-ea"/>
-                <a:ea typeface="+mj-ea"/>
-              </a:rPr>
-              <a:t> 생성 </a:t>
-            </a:r>
-            <a:endParaRPr lang="ko-KR" altLang="en-US" sz="1600" dirty="0">
-              <a:latin typeface="+mj-ea"/>
-              <a:ea typeface="+mj-ea"/>
-            </a:endParaRPr>
-          </a:p>
-        </p:txBody>
-      </p:sp>
-      <p:sp>
-        <p:nvSpPr>
-          <p:cNvPr id="33" name="타원 32"/>
-          <p:cNvSpPr/>
-          <p:nvPr/>
-        </p:nvSpPr>
-        <p:spPr>
-          <a:xfrm>
-            <a:off x="1817370" y="3912235"/>
-            <a:ext cx="431800" cy="431800"/>
-          </a:xfrm>
-          <a:prstGeom prst="ellipse">
-            <a:avLst/>
-          </a:prstGeom>
-          <a:solidFill>
-            <a:schemeClr val="accent3">
-              <a:lumMod val="60000"/>
-              <a:lumOff val="40000"/>
-            </a:schemeClr>
-          </a:solidFill>
-          <a:ln>
-            <a:solidFill>
-              <a:schemeClr val="tx1"/>
-            </a:solidFill>
-          </a:ln>
-        </p:spPr>
-        <p:style>
-          <a:lnRef idx="2">
-            <a:schemeClr val="accent1">
-              <a:shade val="50000"/>
-            </a:schemeClr>
-          </a:lnRef>
-          <a:fillRef idx="1">
-            <a:schemeClr val="accent1"/>
-          </a:fillRef>
-          <a:effectRef idx="0">
-            <a:schemeClr val="accent1"/>
-          </a:effectRef>
-          <a:fontRef idx="minor">
-            <a:schemeClr val="lt1"/>
-          </a:fontRef>
-        </p:style>
-        <p:txBody>
-          <a:bodyPr rtlCol="0" anchor="ctr"/>
-          <a:lstStyle/>
-          <a:p>
-            <a:pPr algn="ctr"/>
-            <a:endParaRPr lang="ko-KR" altLang="en-US"/>
-          </a:p>
-        </p:txBody>
-      </p:sp>
-      <p:sp>
-        <p:nvSpPr>
-          <p:cNvPr id="32" name="직사각형 31"/>
-          <p:cNvSpPr/>
-          <p:nvPr/>
-        </p:nvSpPr>
-        <p:spPr>
-          <a:xfrm>
-            <a:off x="3395345" y="3107690"/>
-            <a:ext cx="633730" cy="520700"/>
-          </a:xfrm>
-          <a:prstGeom prst="rect">
-            <a:avLst/>
-          </a:prstGeom>
-          <a:solidFill>
-            <a:srgbClr val="FFFF00"/>
-          </a:solidFill>
-          <a:ln>
-            <a:solidFill>
-              <a:schemeClr val="tx1"/>
-            </a:solidFill>
-          </a:ln>
-        </p:spPr>
-        <p:style>
-          <a:lnRef idx="2">
-            <a:schemeClr val="accent1">
-              <a:shade val="50000"/>
-            </a:schemeClr>
-          </a:lnRef>
-          <a:fillRef idx="1">
-            <a:schemeClr val="accent1"/>
-          </a:fillRef>
-          <a:effectRef idx="0">
-            <a:schemeClr val="accent1"/>
-          </a:effectRef>
-          <a:fontRef idx="minor">
-            <a:schemeClr val="lt1"/>
-          </a:fontRef>
-        </p:style>
-        <p:txBody>
-          <a:bodyPr rtlCol="0" anchor="ctr"/>
-          <a:lstStyle/>
-          <a:p>
-            <a:pPr algn="ctr"/>
-            <a:endParaRPr lang="ko-KR" altLang="en-US"/>
-          </a:p>
-        </p:txBody>
-      </p:sp>
-      <p:sp>
-        <p:nvSpPr>
-          <p:cNvPr id="30" name="타원 29"/>
-          <p:cNvSpPr/>
-          <p:nvPr/>
-        </p:nvSpPr>
-        <p:spPr>
-          <a:xfrm>
-            <a:off x="3496945" y="3173095"/>
-            <a:ext cx="431800" cy="431800"/>
-          </a:xfrm>
-          <a:prstGeom prst="ellipse">
-            <a:avLst/>
-          </a:prstGeom>
-          <a:solidFill>
-            <a:schemeClr val="accent3">
-              <a:lumMod val="60000"/>
-              <a:lumOff val="40000"/>
-            </a:schemeClr>
-          </a:solidFill>
-          <a:ln>
-            <a:solidFill>
-              <a:schemeClr val="tx1"/>
-            </a:solidFill>
-          </a:ln>
-        </p:spPr>
-        <p:style>
-          <a:lnRef idx="2">
-            <a:schemeClr val="accent1">
-              <a:shade val="50000"/>
-            </a:schemeClr>
-          </a:lnRef>
-          <a:fillRef idx="1">
-            <a:schemeClr val="accent1"/>
-          </a:fillRef>
-          <a:effectRef idx="0">
-            <a:schemeClr val="accent1"/>
-          </a:effectRef>
-          <a:fontRef idx="minor">
-            <a:schemeClr val="lt1"/>
-          </a:fontRef>
-        </p:style>
-        <p:txBody>
-          <a:bodyPr rtlCol="0" anchor="ctr"/>
-          <a:lstStyle/>
-          <a:p>
-            <a:pPr algn="ctr"/>
-            <a:endParaRPr lang="ko-KR" altLang="en-US"/>
-          </a:p>
-        </p:txBody>
-      </p:sp>
-      <p:cxnSp>
-        <p:nvCxnSpPr>
-          <p:cNvPr id="4" name="직선 화살표 연결선 3"/>
-          <p:cNvCxnSpPr/>
-          <p:nvPr/>
-        </p:nvCxnSpPr>
-        <p:spPr>
-          <a:xfrm flipV="1">
-            <a:off x="2399665" y="3554095"/>
-            <a:ext cx="807085" cy="444500"/>
-          </a:xfrm>
-          <a:prstGeom prst="straightConnector1">
-            <a:avLst/>
-          </a:prstGeom>
-          <a:ln w="25400">
-            <a:solidFill>
-              <a:schemeClr val="tx1"/>
-            </a:solidFill>
-            <a:tailEnd type="arrow"/>
-          </a:ln>
-        </p:spPr>
-        <p:style>
-          <a:lnRef idx="1">
-            <a:schemeClr val="accent1"/>
-          </a:lnRef>
-          <a:fillRef idx="0">
-            <a:schemeClr val="accent1"/>
-          </a:fillRef>
-          <a:effectRef idx="0">
-            <a:schemeClr val="accent1"/>
-          </a:effectRef>
-          <a:fontRef idx="minor">
-            <a:schemeClr val="tx1"/>
-          </a:fontRef>
-        </p:style>
-      </p:cxnSp>
-      <p:sp>
-        <p:nvSpPr>
-          <p:cNvPr id="51" name="타원 50"/>
-          <p:cNvSpPr/>
-          <p:nvPr/>
-        </p:nvSpPr>
-        <p:spPr>
-          <a:xfrm>
-            <a:off x="1679575" y="2807970"/>
-            <a:ext cx="431800" cy="431800"/>
-          </a:xfrm>
-          <a:prstGeom prst="ellipse">
-            <a:avLst/>
-          </a:prstGeom>
-          <a:solidFill>
-            <a:schemeClr val="accent3">
-              <a:lumMod val="60000"/>
-              <a:lumOff val="40000"/>
-            </a:schemeClr>
-          </a:solidFill>
-          <a:ln>
-            <a:solidFill>
-              <a:srgbClr val="FF0000"/>
-            </a:solidFill>
-          </a:ln>
-        </p:spPr>
-        <p:style>
-          <a:lnRef idx="2">
-            <a:schemeClr val="accent1">
-              <a:shade val="50000"/>
-            </a:schemeClr>
-          </a:lnRef>
-          <a:fillRef idx="1">
-            <a:schemeClr val="accent1"/>
-          </a:fillRef>
-          <a:effectRef idx="0">
-            <a:schemeClr val="accent1"/>
-          </a:effectRef>
-          <a:fontRef idx="minor">
-            <a:schemeClr val="lt1"/>
-          </a:fontRef>
-        </p:style>
-        <p:txBody>
-          <a:bodyPr rtlCol="0" anchor="ctr"/>
-          <a:lstStyle/>
-          <a:p>
-            <a:pPr algn="ctr"/>
-            <a:endParaRPr lang="ko-KR" altLang="en-US"/>
-          </a:p>
-        </p:txBody>
-      </p:sp>
-      <p:sp>
-        <p:nvSpPr>
-          <p:cNvPr id="19" name="TextBox 18"/>
           <p:cNvSpPr txBox="1">
             <a:spLocks/>
           </p:cNvSpPr>
@@ -13816,11 +13456,19 @@
         </p:nvSpPr>
         <p:spPr>
           <a:xfrm rot="0">
-            <a:off x="1289685" y="3339465"/>
-            <a:ext cx="1161415" cy="308610"/>
+            <a:off x="-26670" y="4899660"/>
+            <a:ext cx="5949315" cy="1753235"/>
           </a:xfrm>
           <a:prstGeom prst="rect"/>
           <a:noFill/>
+          <a:ln w="28575" cap="flat" cmpd="sng">
+            <a:solidFill>
+              <a:schemeClr val="tx1">
+                <a:alpha val="100000"/>
+              </a:schemeClr>
+            </a:solidFill>
+            <a:prstDash val="solid"/>
+          </a:ln>
         </p:spPr>
         <p:txBody>
           <a:bodyPr wrap="square" lIns="91440" tIns="45720" rIns="91440" bIns="45720" numCol="1" vert="horz" anchor="t">
@@ -13828,9 +13476,9 @@
           </a:bodyPr>
           <a:lstStyle/>
           <a:p>
-            <a:pPr marL="0" indent="0" algn="l" fontAlgn="auto" defTabSz="914400" eaLnBrk="0">
+            <a:pPr marL="0" indent="0" algn="ctr" fontAlgn="auto" defTabSz="914400" eaLnBrk="0">
               <a:lnSpc>
-                <a:spcPct val="100000"/>
+                <a:spcPct val="150000"/>
               </a:lnSpc>
               <a:spcBef>
                 <a:spcPts val="0"/>
@@ -13842,83 +13490,99 @@
               <a:buNone/>
             </a:pPr>
             <a:r>
-              <a:rPr lang="en-US" altLang="ko-KR" sz="1400" cap="none" dirty="0" smtClean="0" b="0">
+              <a:rPr lang="en-US" altLang="ko-KR" sz="2400" cap="none" dirty="0" smtClean="0" b="0">
                 <a:latin typeface="나눔고딕 ExtraBold" charset="0"/>
                 <a:ea typeface="나눔고딕 ExtraBold" charset="0"/>
               </a:rPr>
-              <a:t>새로운 유닛</a:t>
+              <a:t>유닛뽑기장소에 유닛을 넣으면</a:t>
             </a:r>
-            <a:endParaRPr lang="ko-KR" altLang="en-US" sz="1400" cap="none" dirty="0" smtClean="0" b="0">
+            <a:endParaRPr lang="ko-KR" altLang="en-US" sz="2400" cap="none" dirty="0" smtClean="0" b="0">
+              <a:latin typeface="나눔고딕 ExtraBold" charset="0"/>
+              <a:ea typeface="나눔고딕 ExtraBold" charset="0"/>
+            </a:endParaRPr>
+          </a:p>
+          <a:p>
+            <a:pPr marL="0" indent="0" algn="ctr" fontAlgn="auto" defTabSz="914400" eaLnBrk="0">
+              <a:lnSpc>
+                <a:spcPct val="150000"/>
+              </a:lnSpc>
+              <a:spcBef>
+                <a:spcPts val="0"/>
+              </a:spcBef>
+              <a:spcAft>
+                <a:spcPts val="0"/>
+              </a:spcAft>
+              <a:buFontTx/>
+              <a:buNone/>
+            </a:pPr>
+            <a:r>
+              <a:rPr lang="en-US" altLang="ko-KR" sz="2400" cap="none" dirty="0" smtClean="0" b="0">
+                <a:latin typeface="나눔고딕 ExtraBold" charset="0"/>
+                <a:ea typeface="나눔고딕 ExtraBold" charset="0"/>
+              </a:rPr>
+              <a:t>골드를 소비해서 무작위로 </a:t>
+            </a:r>
+            <a:endParaRPr lang="ko-KR" altLang="en-US" sz="2400" cap="none" dirty="0" smtClean="0" b="0">
+              <a:latin typeface="나눔고딕 ExtraBold" charset="0"/>
+              <a:ea typeface="나눔고딕 ExtraBold" charset="0"/>
+            </a:endParaRPr>
+          </a:p>
+          <a:p>
+            <a:pPr marL="0" indent="0" algn="ctr" fontAlgn="auto" defTabSz="914400" eaLnBrk="0">
+              <a:lnSpc>
+                <a:spcPct val="150000"/>
+              </a:lnSpc>
+              <a:spcBef>
+                <a:spcPts val="0"/>
+              </a:spcBef>
+              <a:spcAft>
+                <a:spcPts val="0"/>
+              </a:spcAft>
+              <a:buFontTx/>
+              <a:buNone/>
+            </a:pPr>
+            <a:r>
+              <a:rPr lang="en-US" altLang="ko-KR" sz="2400" cap="none" dirty="0" smtClean="0" b="0">
+                <a:latin typeface="나눔고딕 ExtraBold" charset="0"/>
+                <a:ea typeface="나눔고딕 ExtraBold" charset="0"/>
+              </a:rPr>
+              <a:t>유닛을 생성 </a:t>
+            </a:r>
+            <a:endParaRPr lang="ko-KR" altLang="en-US" sz="2400" cap="none" dirty="0" smtClean="0" b="0">
               <a:latin typeface="나눔고딕 ExtraBold" charset="0"/>
               <a:ea typeface="나눔고딕 ExtraBold" charset="0"/>
             </a:endParaRPr>
           </a:p>
         </p:txBody>
       </p:sp>
-      <p:cxnSp>
-        <p:nvCxnSpPr>
-          <p:cNvPr id="21" name="직선 화살표 연결선 20"/>
-          <p:cNvCxnSpPr/>
-          <p:nvPr/>
-        </p:nvCxnSpPr>
-        <p:spPr>
-          <a:xfrm flipH="1" flipV="1">
-            <a:off x="2249170" y="3066415"/>
-            <a:ext cx="957580" cy="227965"/>
-          </a:xfrm>
-          <a:prstGeom prst="straightConnector1">
-            <a:avLst/>
-          </a:prstGeom>
-          <a:ln w="19050">
-            <a:solidFill>
-              <a:schemeClr val="tx1"/>
-            </a:solidFill>
-            <a:tailEnd type="arrow"/>
-          </a:ln>
-        </p:spPr>
-        <p:style>
-          <a:lnRef idx="1">
-            <a:schemeClr val="accent1"/>
-          </a:lnRef>
-          <a:fillRef idx="0">
-            <a:schemeClr val="accent1"/>
-          </a:fillRef>
-          <a:effectRef idx="0">
-            <a:schemeClr val="accent1"/>
-          </a:effectRef>
-          <a:fontRef idx="minor">
-            <a:schemeClr val="tx1"/>
-          </a:fontRef>
-        </p:style>
-      </p:cxnSp>
       <p:grpSp>
         <p:nvGrpSpPr>
-          <p:cNvPr id="3" name="그룹 2"/>
+          <p:cNvPr id="117" name="그룹 116"/>
           <p:cNvGrpSpPr/>
           <p:nvPr/>
         </p:nvGrpSpPr>
         <p:grpSpPr>
-          <a:xfrm>
-            <a:off x="6524625" y="1934210"/>
-            <a:ext cx="4582160" cy="4414520"/>
-            <a:chOff x="6524625" y="1934210"/>
-            <a:chExt cx="4582160" cy="4414520"/>
+          <a:xfrm rot="0">
+            <a:off x="651510" y="1716405"/>
+            <a:ext cx="4582795" cy="3030855"/>
+            <a:chOff x="651510" y="1716405"/>
+            <a:chExt cx="4582795" cy="3030855"/>
           </a:xfrm>
         </p:grpSpPr>
         <p:sp>
           <p:nvSpPr>
-            <p:cNvPr id="41" name="직사각형 40"/>
-            <p:cNvSpPr/>
+            <p:cNvPr id="35" name="직사각형 34"/>
+            <p:cNvSpPr>
+              <a:spLocks/>
+            </p:cNvSpPr>
             <p:nvPr/>
           </p:nvSpPr>
           <p:spPr>
-            <a:xfrm>
-              <a:off x="6524625" y="1934210"/>
-              <a:ext cx="4582160" cy="3030220"/>
+            <a:xfrm rot="0">
+              <a:off x="651510" y="1716405"/>
+              <a:ext cx="4582795" cy="3030855"/>
             </a:xfrm>
-            <a:prstGeom prst="rect">
-              <a:avLst/>
-            </a:prstGeom>
+            <a:prstGeom prst="rect"/>
             <a:solidFill>
               <a:schemeClr val="accent5">
                 <a:lumMod val="40000"/>
@@ -13943,28 +13607,45 @@
             </a:fontRef>
           </p:style>
           <p:txBody>
-            <a:bodyPr rtlCol="0" anchor="ctr"/>
+            <a:bodyPr wrap="square" lIns="91440" tIns="45720" rIns="91440" bIns="45720" numCol="1" vert="horz" anchor="ctr">
+              <a:noAutofit/>
+            </a:bodyPr>
             <a:lstStyle/>
             <a:p>
-              <a:pPr algn="ctr"/>
-              <a:endParaRPr lang="ko-KR" altLang="en-US"/>
+              <a:pPr marL="0" indent="0" algn="ctr" fontAlgn="auto" defTabSz="914400" eaLnBrk="0">
+                <a:lnSpc>
+                  <a:spcPct val="100000"/>
+                </a:lnSpc>
+                <a:spcBef>
+                  <a:spcPts val="0"/>
+                </a:spcBef>
+                <a:spcAft>
+                  <a:spcPts val="0"/>
+                </a:spcAft>
+                <a:buFontTx/>
+                <a:buNone/>
+              </a:pPr>
+              <a:endParaRPr lang="ko-KR" altLang="en-US" sz="1800" cap="none" dirty="0" smtClean="0" b="0">
+                <a:latin typeface="나눔고딕" charset="0"/>
+                <a:ea typeface="나눔고딕" charset="0"/>
+              </a:endParaRPr>
             </a:p>
           </p:txBody>
         </p:sp>
         <p:sp>
           <p:nvSpPr>
-            <p:cNvPr id="42" name="직사각형 41"/>
-            <p:cNvSpPr/>
+            <p:cNvPr id="116" name="직사각형 115"/>
+            <p:cNvSpPr>
+              <a:spLocks/>
+            </p:cNvSpPr>
             <p:nvPr/>
           </p:nvSpPr>
           <p:spPr>
-            <a:xfrm>
-              <a:off x="6915150" y="2861945"/>
-              <a:ext cx="433070" cy="1368425"/>
+            <a:xfrm rot="0">
+              <a:off x="1086485" y="2658110"/>
+              <a:ext cx="433705" cy="1369060"/>
             </a:xfrm>
-            <a:prstGeom prst="rect">
-              <a:avLst/>
-            </a:prstGeom>
+            <a:prstGeom prst="rect"/>
             <a:solidFill>
               <a:schemeClr val="bg2">
                 <a:lumMod val="90000"/>
@@ -13988,38 +13669,58 @@
             </a:fontRef>
           </p:style>
           <p:txBody>
-            <a:bodyPr rtlCol="0" anchor="ctr"/>
+            <a:bodyPr wrap="square" lIns="91440" tIns="45720" rIns="91440" bIns="45720" numCol="1" vert="horz" anchor="ctr">
+              <a:noAutofit/>
+            </a:bodyPr>
             <a:lstStyle/>
             <a:p>
-              <a:pPr algn="ctr"/>
-              <a:endParaRPr lang="ko-KR" altLang="en-US"/>
+              <a:pPr marL="0" indent="0" algn="ctr" fontAlgn="auto" defTabSz="914400" eaLnBrk="0">
+                <a:lnSpc>
+                  <a:spcPct val="100000"/>
+                </a:lnSpc>
+                <a:spcBef>
+                  <a:spcPts val="0"/>
+                </a:spcBef>
+                <a:spcAft>
+                  <a:spcPts val="0"/>
+                </a:spcAft>
+                <a:buFontTx/>
+                <a:buNone/>
+              </a:pPr>
+              <a:endParaRPr lang="ko-KR" altLang="en-US" sz="1800" cap="none" dirty="0" smtClean="0" b="0">
+                <a:latin typeface="나눔고딕" charset="0"/>
+                <a:ea typeface="나눔고딕" charset="0"/>
+              </a:endParaRPr>
             </a:p>
           </p:txBody>
         </p:sp>
         <p:sp>
           <p:nvSpPr>
-            <p:cNvPr id="44" name="타원 43"/>
-            <p:cNvSpPr/>
+            <p:cNvPr id="33" name="타원 32"/>
+            <p:cNvSpPr>
+              <a:spLocks/>
+            </p:cNvSpPr>
             <p:nvPr/>
           </p:nvSpPr>
           <p:spPr>
-            <a:xfrm>
-              <a:off x="8239125" y="3879850"/>
-              <a:ext cx="431800" cy="431800"/>
+            <a:xfrm rot="0">
+              <a:off x="2019300" y="3740785"/>
+              <a:ext cx="432435" cy="432435"/>
             </a:xfrm>
-            <a:prstGeom prst="ellipse">
-              <a:avLst/>
-            </a:prstGeom>
+            <a:prstGeom prst="ellipse"/>
             <a:solidFill>
               <a:schemeClr val="accent3">
                 <a:lumMod val="60000"/>
                 <a:lumOff val="40000"/>
               </a:schemeClr>
             </a:solidFill>
-            <a:ln>
+            <a:ln w="25400" cap="flat" cmpd="sng">
               <a:solidFill>
-                <a:schemeClr val="tx1"/>
+                <a:schemeClr val="tx1">
+                  <a:alpha val="100000"/>
+                </a:schemeClr>
               </a:solidFill>
+              <a:prstDash val="solid"/>
             </a:ln>
           </p:spPr>
           <p:style>
@@ -14039,37 +13740,55 @@
             </a:fontRef>
           </p:style>
           <p:txBody>
-            <a:bodyPr rtlCol="0" anchor="ctr"/>
+            <a:bodyPr wrap="square" lIns="91440" tIns="45720" rIns="91440" bIns="45720" numCol="1" vert="horz" anchor="ctr">
+              <a:noAutofit/>
+            </a:bodyPr>
             <a:lstStyle/>
             <a:p>
-              <a:pPr algn="ctr"/>
-              <a:endParaRPr lang="ko-KR" altLang="en-US"/>
+              <a:pPr marL="0" indent="0" algn="ctr" fontAlgn="auto" defTabSz="914400" eaLnBrk="0">
+                <a:lnSpc>
+                  <a:spcPct val="100000"/>
+                </a:lnSpc>
+                <a:spcBef>
+                  <a:spcPts val="0"/>
+                </a:spcBef>
+                <a:spcAft>
+                  <a:spcPts val="0"/>
+                </a:spcAft>
+                <a:buFontTx/>
+                <a:buNone/>
+              </a:pPr>
+              <a:endParaRPr lang="ko-KR" altLang="en-US" sz="1800" cap="none" dirty="0" smtClean="0" b="0">
+                <a:latin typeface="나눔고딕" charset="0"/>
+                <a:ea typeface="나눔고딕" charset="0"/>
+              </a:endParaRPr>
             </a:p>
           </p:txBody>
         </p:sp>
         <p:sp>
           <p:nvSpPr>
-            <p:cNvPr id="45" name="직사각형 44"/>
-            <p:cNvSpPr/>
+            <p:cNvPr id="32" name="직사각형 31"/>
+            <p:cNvSpPr>
+              <a:spLocks/>
+            </p:cNvSpPr>
             <p:nvPr/>
           </p:nvSpPr>
           <p:spPr>
-            <a:xfrm>
-              <a:off x="9868535" y="3049270"/>
-              <a:ext cx="981710" cy="1059180"/>
+            <a:xfrm rot="0">
+              <a:off x="3783330" y="3014345"/>
+              <a:ext cx="634365" cy="521335"/>
             </a:xfrm>
-            <a:prstGeom prst="rect">
-              <a:avLst/>
-            </a:prstGeom>
+            <a:prstGeom prst="rect"/>
             <a:solidFill>
-              <a:schemeClr val="accent1">
-                <a:lumMod val="75000"/>
-              </a:schemeClr>
+              <a:srgbClr val="FFFF00"/>
             </a:solidFill>
-            <a:ln>
+            <a:ln w="25400" cap="flat" cmpd="sng">
               <a:solidFill>
-                <a:schemeClr val="tx1"/>
+                <a:schemeClr val="tx1">
+                  <a:alpha val="100000"/>
+                </a:schemeClr>
               </a:solidFill>
+              <a:prstDash val="solid"/>
             </a:ln>
           </p:spPr>
           <p:style>
@@ -14089,38 +13808,58 @@
             </a:fontRef>
           </p:style>
           <p:txBody>
-            <a:bodyPr rtlCol="0" anchor="ctr"/>
+            <a:bodyPr wrap="square" lIns="91440" tIns="45720" rIns="91440" bIns="45720" numCol="1" vert="horz" anchor="ctr">
+              <a:noAutofit/>
+            </a:bodyPr>
             <a:lstStyle/>
             <a:p>
-              <a:pPr algn="ctr"/>
-              <a:endParaRPr lang="ko-KR" altLang="en-US"/>
+              <a:pPr marL="0" indent="0" algn="ctr" fontAlgn="auto" defTabSz="914400" eaLnBrk="0">
+                <a:lnSpc>
+                  <a:spcPct val="100000"/>
+                </a:lnSpc>
+                <a:spcBef>
+                  <a:spcPts val="0"/>
+                </a:spcBef>
+                <a:spcAft>
+                  <a:spcPts val="0"/>
+                </a:spcAft>
+                <a:buFontTx/>
+                <a:buNone/>
+              </a:pPr>
+              <a:endParaRPr lang="ko-KR" altLang="en-US" sz="1800" cap="none" dirty="0" smtClean="0" b="0">
+                <a:latin typeface="나눔고딕" charset="0"/>
+                <a:ea typeface="나눔고딕" charset="0"/>
+              </a:endParaRPr>
             </a:p>
           </p:txBody>
         </p:sp>
         <p:sp>
           <p:nvSpPr>
-            <p:cNvPr id="48" name="타원 47"/>
-            <p:cNvSpPr/>
+            <p:cNvPr id="30" name="타원 29"/>
+            <p:cNvSpPr>
+              <a:spLocks/>
+            </p:cNvSpPr>
             <p:nvPr/>
           </p:nvSpPr>
           <p:spPr>
-            <a:xfrm>
-              <a:off x="10118725" y="3129915"/>
-              <a:ext cx="431800" cy="431800"/>
+            <a:xfrm rot="0">
+              <a:off x="3837939" y="3048635"/>
+              <a:ext cx="498475" cy="432435"/>
             </a:xfrm>
-            <a:prstGeom prst="ellipse">
-              <a:avLst/>
-            </a:prstGeom>
+            <a:prstGeom prst="ellipse"/>
             <a:solidFill>
               <a:schemeClr val="accent3">
                 <a:lumMod val="60000"/>
                 <a:lumOff val="40000"/>
               </a:schemeClr>
             </a:solidFill>
-            <a:ln>
+            <a:ln w="25400" cap="flat" cmpd="sng">
               <a:solidFill>
-                <a:schemeClr val="tx1"/>
+                <a:schemeClr val="tx1">
+                  <a:alpha val="100000"/>
+                </a:schemeClr>
               </a:solidFill>
+              <a:prstDash val="solid"/>
             </a:ln>
           </p:spPr>
           <p:style>
@@ -14140,38 +13879,95 @@
             </a:fontRef>
           </p:style>
           <p:txBody>
-            <a:bodyPr rtlCol="0" anchor="ctr"/>
+            <a:bodyPr wrap="square" lIns="91440" tIns="45720" rIns="91440" bIns="45720" numCol="1" vert="horz" anchor="ctr">
+              <a:noAutofit/>
+            </a:bodyPr>
             <a:lstStyle/>
             <a:p>
-              <a:pPr algn="ctr"/>
-              <a:endParaRPr lang="ko-KR" altLang="en-US"/>
+              <a:pPr marL="0" indent="0" algn="ctr" fontAlgn="auto" defTabSz="914400" eaLnBrk="0">
+                <a:lnSpc>
+                  <a:spcPct val="100000"/>
+                </a:lnSpc>
+                <a:spcBef>
+                  <a:spcPts val="0"/>
+                </a:spcBef>
+                <a:spcAft>
+                  <a:spcPts val="0"/>
+                </a:spcAft>
+                <a:buFontTx/>
+                <a:buNone/>
+              </a:pPr>
+              <a:endParaRPr lang="ko-KR" altLang="en-US" sz="1800" cap="none" dirty="0" smtClean="0" b="0">
+                <a:latin typeface="나눔고딕" charset="0"/>
+                <a:ea typeface="나눔고딕" charset="0"/>
+              </a:endParaRPr>
             </a:p>
           </p:txBody>
         </p:sp>
+        <p:cxnSp>
+          <p:nvCxnSpPr>
+            <p:cNvPr id="4" name="직선 화살표 연결선 3"/>
+            <p:cNvCxnSpPr/>
+            <p:nvPr/>
+          </p:nvCxnSpPr>
+          <p:spPr>
+            <a:xfrm rot="0" flipV="1">
+              <a:off x="2694940" y="3507105"/>
+              <a:ext cx="807720" cy="445135"/>
+            </a:xfrm>
+            <a:prstGeom prst="straightConnector1"/>
+            <a:ln w="25400" cap="flat" cmpd="sng">
+              <a:solidFill>
+                <a:schemeClr val="tx1">
+                  <a:alpha val="100000"/>
+                </a:schemeClr>
+              </a:solidFill>
+              <a:prstDash val="solid"/>
+              <a:tailEnd type="arrow" w="med" len="med"/>
+            </a:ln>
+          </p:spPr>
+          <p:style>
+            <a:lnRef idx="1">
+              <a:schemeClr val="accent1"/>
+            </a:lnRef>
+            <a:fillRef idx="0">
+              <a:schemeClr val="accent1"/>
+            </a:fillRef>
+            <a:effectRef idx="0">
+              <a:schemeClr val="accent1"/>
+            </a:effectRef>
+            <a:fontRef idx="minor">
+              <a:schemeClr val="tx1"/>
+            </a:fontRef>
+          </p:style>
+        </p:cxnSp>
         <p:sp>
           <p:nvSpPr>
-            <p:cNvPr id="49" name="타원 48"/>
-            <p:cNvSpPr/>
+            <p:cNvPr id="51" name="타원 50"/>
+            <p:cNvSpPr>
+              <a:spLocks/>
+            </p:cNvSpPr>
             <p:nvPr/>
           </p:nvSpPr>
           <p:spPr>
-            <a:xfrm>
-              <a:off x="10031730" y="3602355"/>
-              <a:ext cx="431800" cy="431800"/>
+            <a:xfrm rot="0">
+              <a:off x="2021205" y="2527935"/>
+              <a:ext cx="432435" cy="432435"/>
             </a:xfrm>
-            <a:prstGeom prst="ellipse">
-              <a:avLst/>
-            </a:prstGeom>
+            <a:prstGeom prst="ellipse"/>
             <a:solidFill>
               <a:schemeClr val="accent3">
                 <a:lumMod val="60000"/>
                 <a:lumOff val="40000"/>
               </a:schemeClr>
             </a:solidFill>
-            <a:ln>
+            <a:ln w="25400" cap="flat" cmpd="sng">
               <a:solidFill>
-                <a:schemeClr val="tx1"/>
+                <a:srgbClr val="FF0000">
+                  <a:alpha val="100000"/>
+                </a:srgbClr>
               </a:solidFill>
+              <a:prstDash val="solid"/>
             </a:ln>
           </p:spPr>
           <p:style>
@@ -14191,155 +13987,645 @@
             </a:fontRef>
           </p:style>
           <p:txBody>
-            <a:bodyPr rtlCol="0" anchor="ctr"/>
+            <a:bodyPr wrap="square" lIns="91440" tIns="45720" rIns="91440" bIns="45720" numCol="1" vert="horz" anchor="ctr">
+              <a:noAutofit/>
+            </a:bodyPr>
             <a:lstStyle/>
             <a:p>
-              <a:pPr algn="ctr"/>
-              <a:endParaRPr lang="ko-KR" altLang="en-US"/>
+              <a:pPr marL="0" indent="0" algn="ctr" fontAlgn="auto" defTabSz="914400" eaLnBrk="0">
+                <a:lnSpc>
+                  <a:spcPct val="100000"/>
+                </a:lnSpc>
+                <a:spcBef>
+                  <a:spcPts val="0"/>
+                </a:spcBef>
+                <a:spcAft>
+                  <a:spcPts val="0"/>
+                </a:spcAft>
+                <a:buFontTx/>
+                <a:buNone/>
+              </a:pPr>
+              <a:endParaRPr lang="ko-KR" altLang="en-US" sz="1800" cap="none" dirty="0" smtClean="0" b="0">
+                <a:latin typeface="나눔고딕" charset="0"/>
+                <a:ea typeface="나눔고딕" charset="0"/>
+              </a:endParaRPr>
+            </a:p>
+          </p:txBody>
+        </p:sp>
+        <p:sp>
+          <p:nvSpPr>
+            <p:cNvPr id="19" name="TextBox 18"/>
+            <p:cNvSpPr txBox="1">
+              <a:spLocks/>
+            </p:cNvSpPr>
+            <p:nvPr/>
+          </p:nvSpPr>
+          <p:spPr>
+            <a:xfrm rot="0">
+              <a:off x="1289685" y="1971040"/>
+              <a:ext cx="1960245" cy="461010"/>
+            </a:xfrm>
+            <a:prstGeom prst="rect"/>
+            <a:noFill/>
+          </p:spPr>
+          <p:txBody>
+            <a:bodyPr wrap="square" lIns="91440" tIns="45720" rIns="91440" bIns="45720" numCol="1" vert="horz" anchor="t">
+              <a:spAutoFit/>
+            </a:bodyPr>
+            <a:lstStyle/>
+            <a:p>
+              <a:pPr marL="0" indent="0" algn="l" fontAlgn="auto" defTabSz="914400" eaLnBrk="0">
+                <a:lnSpc>
+                  <a:spcPct val="100000"/>
+                </a:lnSpc>
+                <a:spcBef>
+                  <a:spcPts val="0"/>
+                </a:spcBef>
+                <a:spcAft>
+                  <a:spcPts val="0"/>
+                </a:spcAft>
+                <a:buFontTx/>
+                <a:buNone/>
+              </a:pPr>
+              <a:r>
+                <a:rPr lang="en-US" altLang="ko-KR" sz="2400" cap="none" dirty="0" smtClean="0" b="0">
+                  <a:latin typeface="나눔고딕 ExtraBold" charset="0"/>
+                  <a:ea typeface="나눔고딕 ExtraBold" charset="0"/>
+                </a:rPr>
+                <a:t>새로운 유닛</a:t>
+              </a:r>
+              <a:endParaRPr lang="ko-KR" altLang="en-US" sz="2400" cap="none" dirty="0" smtClean="0" b="0">
+                <a:latin typeface="나눔고딕 ExtraBold" charset="0"/>
+                <a:ea typeface="나눔고딕 ExtraBold" charset="0"/>
+              </a:endParaRPr>
+            </a:p>
+          </p:txBody>
+        </p:sp>
+        <p:cxnSp>
+          <p:nvCxnSpPr>
+            <p:cNvPr id="21" name="직선 화살표 연결선 20"/>
+            <p:cNvCxnSpPr/>
+            <p:nvPr/>
+          </p:nvCxnSpPr>
+          <p:spPr>
+            <a:xfrm rot="0" flipH="1" flipV="1">
+              <a:off x="2621915" y="2879725"/>
+              <a:ext cx="958215" cy="228600"/>
+            </a:xfrm>
+            <a:prstGeom prst="straightConnector1"/>
+            <a:ln w="19050" cap="flat" cmpd="sng">
+              <a:solidFill>
+                <a:schemeClr val="tx1">
+                  <a:alpha val="100000"/>
+                </a:schemeClr>
+              </a:solidFill>
+              <a:prstDash val="solid"/>
+              <a:tailEnd type="arrow" w="med" len="med"/>
+            </a:ln>
+          </p:spPr>
+          <p:style>
+            <a:lnRef idx="1">
+              <a:schemeClr val="accent1"/>
+            </a:lnRef>
+            <a:fillRef idx="0">
+              <a:schemeClr val="accent1"/>
+            </a:fillRef>
+            <a:effectRef idx="0">
+              <a:schemeClr val="accent1"/>
+            </a:effectRef>
+            <a:fontRef idx="minor">
+              <a:schemeClr val="tx1"/>
+            </a:fontRef>
+          </p:style>
+        </p:cxnSp>
+      </p:grpSp>
+      <p:grpSp>
+        <p:nvGrpSpPr>
+          <p:cNvPr id="3" name="그룹 2"/>
+          <p:cNvGrpSpPr/>
+          <p:nvPr/>
+        </p:nvGrpSpPr>
+        <p:grpSpPr>
+          <a:xfrm>
+            <a:off x="6183630" y="1701800"/>
+            <a:ext cx="5287010" cy="4919980"/>
+            <a:chOff x="6183630" y="1701800"/>
+            <a:chExt cx="5287010" cy="4919980"/>
+          </a:xfrm>
+        </p:grpSpPr>
+        <p:sp>
+          <p:nvSpPr>
+            <p:cNvPr id="41" name="직사각형 40"/>
+            <p:cNvSpPr>
+              <a:spLocks/>
+            </p:cNvSpPr>
+            <p:nvPr/>
+          </p:nvSpPr>
+          <p:spPr>
+            <a:xfrm rot="0">
+              <a:off x="6462395" y="1701800"/>
+              <a:ext cx="4582795" cy="3030855"/>
+            </a:xfrm>
+            <a:prstGeom prst="rect"/>
+            <a:solidFill>
+              <a:schemeClr val="accent5">
+                <a:lumMod val="40000"/>
+                <a:lumOff val="60000"/>
+              </a:schemeClr>
+            </a:solidFill>
+          </p:spPr>
+          <p:style>
+            <a:lnRef idx="2">
+              <a:schemeClr val="accent1">
+                <a:shade val="50000"/>
+              </a:schemeClr>
+            </a:lnRef>
+            <a:fillRef idx="1">
+              <a:schemeClr val="accent1"/>
+            </a:fillRef>
+            <a:effectRef idx="0">
+              <a:schemeClr val="accent1"/>
+            </a:effectRef>
+            <a:fontRef idx="minor">
+              <a:schemeClr val="lt1"/>
+            </a:fontRef>
+          </p:style>
+          <p:txBody>
+            <a:bodyPr wrap="square" lIns="91440" tIns="45720" rIns="91440" bIns="45720" numCol="1" vert="horz" anchor="ctr">
+              <a:noAutofit/>
+            </a:bodyPr>
+            <a:lstStyle/>
+            <a:p>
+              <a:pPr marL="0" indent="0" algn="ctr" fontAlgn="auto" defTabSz="914400" eaLnBrk="0">
+                <a:lnSpc>
+                  <a:spcPct val="100000"/>
+                </a:lnSpc>
+                <a:spcBef>
+                  <a:spcPts val="0"/>
+                </a:spcBef>
+                <a:spcAft>
+                  <a:spcPts val="0"/>
+                </a:spcAft>
+                <a:buFontTx/>
+                <a:buNone/>
+              </a:pPr>
+              <a:endParaRPr lang="ko-KR" altLang="en-US" sz="1800" cap="none" dirty="0" smtClean="0" b="0">
+                <a:latin typeface="나눔고딕" charset="0"/>
+                <a:ea typeface="나눔고딕" charset="0"/>
+              </a:endParaRPr>
+            </a:p>
+          </p:txBody>
+        </p:sp>
+        <p:sp>
+          <p:nvSpPr>
+            <p:cNvPr id="42" name="직사각형 41"/>
+            <p:cNvSpPr>
+              <a:spLocks/>
+            </p:cNvSpPr>
+            <p:nvPr/>
+          </p:nvSpPr>
+          <p:spPr>
+            <a:xfrm rot="0">
+              <a:off x="6884035" y="2768600"/>
+              <a:ext cx="433705" cy="1369060"/>
+            </a:xfrm>
+            <a:prstGeom prst="rect"/>
+            <a:solidFill>
+              <a:schemeClr val="bg2">
+                <a:lumMod val="90000"/>
+              </a:schemeClr>
+            </a:solidFill>
+          </p:spPr>
+          <p:style>
+            <a:lnRef idx="2">
+              <a:schemeClr val="accent1">
+                <a:shade val="50000"/>
+              </a:schemeClr>
+            </a:lnRef>
+            <a:fillRef idx="1">
+              <a:schemeClr val="accent1"/>
+            </a:fillRef>
+            <a:effectRef idx="0">
+              <a:schemeClr val="accent1"/>
+            </a:effectRef>
+            <a:fontRef idx="minor">
+              <a:schemeClr val="lt1"/>
+            </a:fontRef>
+          </p:style>
+          <p:txBody>
+            <a:bodyPr wrap="square" lIns="91440" tIns="45720" rIns="91440" bIns="45720" numCol="1" vert="horz" anchor="ctr">
+              <a:noAutofit/>
+            </a:bodyPr>
+            <a:lstStyle/>
+            <a:p>
+              <a:pPr marL="0" indent="0" algn="ctr" fontAlgn="auto" defTabSz="914400" eaLnBrk="0">
+                <a:lnSpc>
+                  <a:spcPct val="100000"/>
+                </a:lnSpc>
+                <a:spcBef>
+                  <a:spcPts val="0"/>
+                </a:spcBef>
+                <a:spcAft>
+                  <a:spcPts val="0"/>
+                </a:spcAft>
+                <a:buFontTx/>
+                <a:buNone/>
+              </a:pPr>
+              <a:endParaRPr lang="ko-KR" altLang="en-US" sz="1800" cap="none" dirty="0" smtClean="0" b="0">
+                <a:latin typeface="나눔고딕" charset="0"/>
+                <a:ea typeface="나눔고딕" charset="0"/>
+              </a:endParaRPr>
+            </a:p>
+          </p:txBody>
+        </p:sp>
+        <p:sp>
+          <p:nvSpPr>
+            <p:cNvPr id="44" name="타원 43"/>
+            <p:cNvSpPr>
+              <a:spLocks/>
+            </p:cNvSpPr>
+            <p:nvPr/>
+          </p:nvSpPr>
+          <p:spPr>
+            <a:xfrm rot="0">
+              <a:off x="8208010" y="3786505"/>
+              <a:ext cx="432435" cy="432435"/>
+            </a:xfrm>
+            <a:prstGeom prst="ellipse"/>
+            <a:solidFill>
+              <a:schemeClr val="accent3">
+                <a:lumMod val="60000"/>
+                <a:lumOff val="40000"/>
+              </a:schemeClr>
+            </a:solidFill>
+            <a:ln w="25400" cap="flat" cmpd="sng">
+              <a:solidFill>
+                <a:schemeClr val="tx1">
+                  <a:alpha val="100000"/>
+                </a:schemeClr>
+              </a:solidFill>
+              <a:prstDash val="solid"/>
+            </a:ln>
+          </p:spPr>
+          <p:style>
+            <a:lnRef idx="2">
+              <a:schemeClr val="accent1">
+                <a:shade val="50000"/>
+              </a:schemeClr>
+            </a:lnRef>
+            <a:fillRef idx="1">
+              <a:schemeClr val="accent1"/>
+            </a:fillRef>
+            <a:effectRef idx="0">
+              <a:schemeClr val="accent1"/>
+            </a:effectRef>
+            <a:fontRef idx="minor">
+              <a:schemeClr val="lt1"/>
+            </a:fontRef>
+          </p:style>
+          <p:txBody>
+            <a:bodyPr wrap="square" lIns="91440" tIns="45720" rIns="91440" bIns="45720" numCol="1" vert="horz" anchor="ctr">
+              <a:noAutofit/>
+            </a:bodyPr>
+            <a:lstStyle/>
+            <a:p>
+              <a:pPr marL="0" indent="0" algn="ctr" fontAlgn="auto" defTabSz="914400" eaLnBrk="0">
+                <a:lnSpc>
+                  <a:spcPct val="100000"/>
+                </a:lnSpc>
+                <a:spcBef>
+                  <a:spcPts val="0"/>
+                </a:spcBef>
+                <a:spcAft>
+                  <a:spcPts val="0"/>
+                </a:spcAft>
+                <a:buFontTx/>
+                <a:buNone/>
+              </a:pPr>
+              <a:endParaRPr lang="ko-KR" altLang="en-US" sz="1800" cap="none" dirty="0" smtClean="0" b="0">
+                <a:latin typeface="나눔고딕" charset="0"/>
+                <a:ea typeface="나눔고딕" charset="0"/>
+              </a:endParaRPr>
+            </a:p>
+          </p:txBody>
+        </p:sp>
+        <p:sp>
+          <p:nvSpPr>
+            <p:cNvPr id="45" name="직사각형 44"/>
+            <p:cNvSpPr>
+              <a:spLocks/>
+            </p:cNvSpPr>
+            <p:nvPr/>
+          </p:nvSpPr>
+          <p:spPr>
+            <a:xfrm rot="0">
+              <a:off x="9837420" y="2955925"/>
+              <a:ext cx="982345" cy="1059815"/>
+            </a:xfrm>
+            <a:prstGeom prst="rect"/>
+            <a:solidFill>
+              <a:schemeClr val="accent1">
+                <a:lumMod val="75000"/>
+              </a:schemeClr>
+            </a:solidFill>
+            <a:ln w="25400" cap="flat" cmpd="sng">
+              <a:solidFill>
+                <a:schemeClr val="tx1">
+                  <a:alpha val="100000"/>
+                </a:schemeClr>
+              </a:solidFill>
+              <a:prstDash val="solid"/>
+            </a:ln>
+          </p:spPr>
+          <p:style>
+            <a:lnRef idx="2">
+              <a:schemeClr val="accent1">
+                <a:shade val="50000"/>
+              </a:schemeClr>
+            </a:lnRef>
+            <a:fillRef idx="1">
+              <a:schemeClr val="accent1"/>
+            </a:fillRef>
+            <a:effectRef idx="0">
+              <a:schemeClr val="accent1"/>
+            </a:effectRef>
+            <a:fontRef idx="minor">
+              <a:schemeClr val="lt1"/>
+            </a:fontRef>
+          </p:style>
+          <p:txBody>
+            <a:bodyPr wrap="square" lIns="91440" tIns="45720" rIns="91440" bIns="45720" numCol="1" vert="horz" anchor="ctr">
+              <a:noAutofit/>
+            </a:bodyPr>
+            <a:lstStyle/>
+            <a:p>
+              <a:pPr marL="0" indent="0" algn="ctr" fontAlgn="auto" defTabSz="914400" eaLnBrk="0">
+                <a:lnSpc>
+                  <a:spcPct val="100000"/>
+                </a:lnSpc>
+                <a:spcBef>
+                  <a:spcPts val="0"/>
+                </a:spcBef>
+                <a:spcAft>
+                  <a:spcPts val="0"/>
+                </a:spcAft>
+                <a:buFontTx/>
+                <a:buNone/>
+              </a:pPr>
+              <a:endParaRPr lang="ko-KR" altLang="en-US" sz="1800" cap="none" dirty="0" smtClean="0" b="0">
+                <a:latin typeface="나눔고딕" charset="0"/>
+                <a:ea typeface="나눔고딕" charset="0"/>
+              </a:endParaRPr>
+            </a:p>
+          </p:txBody>
+        </p:sp>
+        <p:sp>
+          <p:nvSpPr>
+            <p:cNvPr id="48" name="타원 47"/>
+            <p:cNvSpPr>
+              <a:spLocks/>
+            </p:cNvSpPr>
+            <p:nvPr/>
+          </p:nvSpPr>
+          <p:spPr>
+            <a:xfrm rot="0">
+              <a:off x="10087610" y="3036570"/>
+              <a:ext cx="432435" cy="432435"/>
+            </a:xfrm>
+            <a:prstGeom prst="ellipse"/>
+            <a:solidFill>
+              <a:schemeClr val="accent3">
+                <a:lumMod val="60000"/>
+                <a:lumOff val="40000"/>
+              </a:schemeClr>
+            </a:solidFill>
+            <a:ln w="25400" cap="flat" cmpd="sng">
+              <a:solidFill>
+                <a:schemeClr val="tx1">
+                  <a:alpha val="100000"/>
+                </a:schemeClr>
+              </a:solidFill>
+              <a:prstDash val="solid"/>
+            </a:ln>
+          </p:spPr>
+          <p:style>
+            <a:lnRef idx="2">
+              <a:schemeClr val="accent1">
+                <a:shade val="50000"/>
+              </a:schemeClr>
+            </a:lnRef>
+            <a:fillRef idx="1">
+              <a:schemeClr val="accent1"/>
+            </a:fillRef>
+            <a:effectRef idx="0">
+              <a:schemeClr val="accent1"/>
+            </a:effectRef>
+            <a:fontRef idx="minor">
+              <a:schemeClr val="lt1"/>
+            </a:fontRef>
+          </p:style>
+          <p:txBody>
+            <a:bodyPr wrap="square" lIns="91440" tIns="45720" rIns="91440" bIns="45720" numCol="1" vert="horz" anchor="ctr">
+              <a:noAutofit/>
+            </a:bodyPr>
+            <a:lstStyle/>
+            <a:p>
+              <a:pPr marL="0" indent="0" algn="ctr" fontAlgn="auto" defTabSz="914400" eaLnBrk="0">
+                <a:lnSpc>
+                  <a:spcPct val="100000"/>
+                </a:lnSpc>
+                <a:spcBef>
+                  <a:spcPts val="0"/>
+                </a:spcBef>
+                <a:spcAft>
+                  <a:spcPts val="0"/>
+                </a:spcAft>
+                <a:buFontTx/>
+                <a:buNone/>
+              </a:pPr>
+              <a:endParaRPr lang="ko-KR" altLang="en-US" sz="1800" cap="none" dirty="0" smtClean="0" b="0">
+                <a:latin typeface="나눔고딕" charset="0"/>
+                <a:ea typeface="나눔고딕" charset="0"/>
+              </a:endParaRPr>
+            </a:p>
+          </p:txBody>
+        </p:sp>
+        <p:sp>
+          <p:nvSpPr>
+            <p:cNvPr id="49" name="타원 48"/>
+            <p:cNvSpPr>
+              <a:spLocks/>
+            </p:cNvSpPr>
+            <p:nvPr/>
+          </p:nvSpPr>
+          <p:spPr>
+            <a:xfrm rot="0">
+              <a:off x="10000615" y="3509010"/>
+              <a:ext cx="432435" cy="432435"/>
+            </a:xfrm>
+            <a:prstGeom prst="ellipse"/>
+            <a:solidFill>
+              <a:schemeClr val="accent3">
+                <a:lumMod val="60000"/>
+                <a:lumOff val="40000"/>
+              </a:schemeClr>
+            </a:solidFill>
+            <a:ln w="25400" cap="flat" cmpd="sng">
+              <a:solidFill>
+                <a:schemeClr val="tx1">
+                  <a:alpha val="100000"/>
+                </a:schemeClr>
+              </a:solidFill>
+              <a:prstDash val="solid"/>
+            </a:ln>
+          </p:spPr>
+          <p:style>
+            <a:lnRef idx="2">
+              <a:schemeClr val="accent1">
+                <a:shade val="50000"/>
+              </a:schemeClr>
+            </a:lnRef>
+            <a:fillRef idx="1">
+              <a:schemeClr val="accent1"/>
+            </a:fillRef>
+            <a:effectRef idx="0">
+              <a:schemeClr val="accent1"/>
+            </a:effectRef>
+            <a:fontRef idx="minor">
+              <a:schemeClr val="lt1"/>
+            </a:fontRef>
+          </p:style>
+          <p:txBody>
+            <a:bodyPr wrap="square" lIns="91440" tIns="45720" rIns="91440" bIns="45720" numCol="1" vert="horz" anchor="ctr">
+              <a:noAutofit/>
+            </a:bodyPr>
+            <a:lstStyle/>
+            <a:p>
+              <a:pPr marL="0" indent="0" algn="ctr" fontAlgn="auto" defTabSz="914400" eaLnBrk="0">
+                <a:lnSpc>
+                  <a:spcPct val="100000"/>
+                </a:lnSpc>
+                <a:spcBef>
+                  <a:spcPts val="0"/>
+                </a:spcBef>
+                <a:spcAft>
+                  <a:spcPts val="0"/>
+                </a:spcAft>
+                <a:buFontTx/>
+                <a:buNone/>
+              </a:pPr>
+              <a:endParaRPr lang="ko-KR" altLang="en-US" sz="1800" cap="none" dirty="0" smtClean="0" b="0">
+                <a:latin typeface="나눔고딕" charset="0"/>
+                <a:ea typeface="나눔고딕" charset="0"/>
+              </a:endParaRPr>
             </a:p>
           </p:txBody>
         </p:sp>
         <p:sp>
           <p:nvSpPr>
             <p:cNvPr id="50" name="TextBox 49"/>
-            <p:cNvSpPr txBox="1"/>
+            <p:cNvSpPr txBox="1">
+              <a:spLocks/>
+            </p:cNvSpPr>
             <p:nvPr/>
           </p:nvSpPr>
           <p:spPr>
-            <a:xfrm>
-              <a:off x="7209790" y="5102225"/>
-              <a:ext cx="3211195" cy="1246505"/>
+            <a:xfrm rot="0">
+              <a:off x="6183630" y="4869180"/>
+              <a:ext cx="5287645" cy="1753235"/>
             </a:xfrm>
-            <a:prstGeom prst="rect">
-              <a:avLst/>
-            </a:prstGeom>
+            <a:prstGeom prst="rect"/>
             <a:noFill/>
-            <a:ln w="28575">
+            <a:ln w="28575" cap="flat" cmpd="sng">
               <a:solidFill>
-                <a:schemeClr val="tx1"/>
+                <a:schemeClr val="tx1">
+                  <a:alpha val="100000"/>
+                </a:schemeClr>
               </a:solidFill>
+              <a:prstDash val="solid"/>
             </a:ln>
           </p:spPr>
           <p:txBody>
-            <a:bodyPr wrap="square" rtlCol="0">
+            <a:bodyPr wrap="square" lIns="91440" tIns="45720" rIns="91440" bIns="45720" numCol="1" vert="horz" anchor="t">
               <a:spAutoFit/>
             </a:bodyPr>
             <a:lstStyle/>
             <a:p>
-              <a:pPr algn="ctr">
+              <a:pPr marL="0" indent="0" algn="ctr" fontAlgn="auto" defTabSz="914400" eaLnBrk="0">
                 <a:lnSpc>
                   <a:spcPct val="150000"/>
                 </a:lnSpc>
+                <a:spcBef>
+                  <a:spcPts val="0"/>
+                </a:spcBef>
+                <a:spcAft>
+                  <a:spcPts val="0"/>
+                </a:spcAft>
+                <a:buFontTx/>
+                <a:buNone/>
               </a:pPr>
               <a:r>
-                <a:rPr lang="ko-KR" altLang="en-US" sz="1600" dirty="0" err="1" smtClean="0">
-                  <a:latin typeface="+mj-ea"/>
-                  <a:ea typeface="+mj-ea"/>
+                <a:rPr lang="en-US" altLang="ko-KR" sz="2400" cap="none" dirty="0" smtClean="0" b="0">
+                  <a:latin typeface="나눔고딕 ExtraBold" charset="0"/>
+                  <a:ea typeface="나눔고딕 ExtraBold" charset="0"/>
                 </a:rPr>
-                <a:t>유닛조합장소에</a:t>
+                <a:t>유닛조합장소에 유닛을 넣고</a:t>
               </a:r>
-              <a:r>
-                <a:rPr lang="ko-KR" altLang="en-US" sz="1600" dirty="0" smtClean="0">
-                  <a:latin typeface="+mj-ea"/>
-                  <a:ea typeface="+mj-ea"/>
-                </a:rPr>
-                <a:t> </a:t>
-              </a:r>
-              <a:r>
-                <a:rPr lang="ko-KR" altLang="en-US" sz="1600" dirty="0" err="1" smtClean="0">
-                  <a:latin typeface="+mj-ea"/>
-                  <a:ea typeface="+mj-ea"/>
-                </a:rPr>
-                <a:t>유닛을</a:t>
-              </a:r>
-              <a:r>
-                <a:rPr lang="ko-KR" altLang="en-US" sz="1600" dirty="0" smtClean="0">
-                  <a:latin typeface="+mj-ea"/>
-                  <a:ea typeface="+mj-ea"/>
-                </a:rPr>
-                <a:t> 넣고</a:t>
-              </a:r>
-              <a:endParaRPr lang="en-US" altLang="ko-KR" sz="1600" dirty="0" smtClean="0">
-                <a:latin typeface="+mj-ea"/>
-                <a:ea typeface="+mj-ea"/>
+              <a:endParaRPr lang="ko-KR" altLang="en-US" sz="2400" cap="none" dirty="0" smtClean="0" b="0">
+                <a:latin typeface="나눔고딕 ExtraBold" charset="0"/>
+                <a:ea typeface="나눔고딕 ExtraBold" charset="0"/>
               </a:endParaRPr>
             </a:p>
             <a:p>
-              <a:pPr algn="ctr">
+              <a:pPr marL="0" indent="0" algn="ctr" fontAlgn="auto" defTabSz="914400" eaLnBrk="0">
                 <a:lnSpc>
                   <a:spcPct val="150000"/>
                 </a:lnSpc>
+                <a:spcBef>
+                  <a:spcPts val="0"/>
+                </a:spcBef>
+                <a:spcAft>
+                  <a:spcPts val="0"/>
+                </a:spcAft>
+                <a:buFontTx/>
+                <a:buNone/>
               </a:pPr>
               <a:r>
-                <a:rPr lang="ko-KR" altLang="en-US" sz="1600" dirty="0" smtClean="0">
-                  <a:latin typeface="+mj-ea"/>
-                  <a:ea typeface="+mj-ea"/>
+                <a:rPr lang="en-US" altLang="ko-KR" sz="2400" cap="none" dirty="0" smtClean="0" b="0">
+                  <a:latin typeface="나눔고딕 ExtraBold" charset="0"/>
+                  <a:ea typeface="나눔고딕 ExtraBold" charset="0"/>
                 </a:rPr>
-                <a:t>넣은 </a:t>
+                <a:t>넣은 유닛이 조합식에 있으면</a:t>
               </a:r>
-              <a:r>
-                <a:rPr lang="ko-KR" altLang="en-US" sz="1600" dirty="0" err="1" smtClean="0">
-                  <a:latin typeface="+mj-ea"/>
-                  <a:ea typeface="+mj-ea"/>
-                </a:rPr>
-                <a:t>유닛이</a:t>
-              </a:r>
-              <a:r>
-                <a:rPr lang="ko-KR" altLang="en-US" sz="1600" dirty="0" smtClean="0">
-                  <a:latin typeface="+mj-ea"/>
-                  <a:ea typeface="+mj-ea"/>
-                </a:rPr>
-                <a:t> </a:t>
-              </a:r>
-              <a:r>
-                <a:rPr lang="ko-KR" altLang="en-US" sz="1600" dirty="0" err="1" smtClean="0">
-                  <a:latin typeface="+mj-ea"/>
-                  <a:ea typeface="+mj-ea"/>
-                </a:rPr>
-                <a:t>조합식에</a:t>
-              </a:r>
-              <a:r>
-                <a:rPr lang="ko-KR" altLang="en-US" sz="1600" dirty="0" smtClean="0">
-                  <a:latin typeface="+mj-ea"/>
-                  <a:ea typeface="+mj-ea"/>
-                </a:rPr>
-                <a:t> 있으면</a:t>
-              </a:r>
-              <a:endParaRPr lang="en-US" altLang="ko-KR" sz="1600" dirty="0" smtClean="0">
-                <a:latin typeface="+mj-ea"/>
-                <a:ea typeface="+mj-ea"/>
+              <a:endParaRPr lang="ko-KR" altLang="en-US" sz="2400" cap="none" dirty="0" smtClean="0" b="0">
+                <a:latin typeface="나눔고딕 ExtraBold" charset="0"/>
+                <a:ea typeface="나눔고딕 ExtraBold" charset="0"/>
               </a:endParaRPr>
             </a:p>
             <a:p>
-              <a:pPr algn="ctr">
+              <a:pPr marL="0" indent="0" algn="ctr" fontAlgn="auto" defTabSz="914400" eaLnBrk="0">
                 <a:lnSpc>
                   <a:spcPct val="150000"/>
                 </a:lnSpc>
+                <a:spcBef>
+                  <a:spcPts val="0"/>
+                </a:spcBef>
+                <a:spcAft>
+                  <a:spcPts val="0"/>
+                </a:spcAft>
+                <a:buFontTx/>
+                <a:buNone/>
               </a:pPr>
               <a:r>
-                <a:rPr lang="ko-KR" altLang="en-US" sz="1600" dirty="0" smtClean="0">
-                  <a:latin typeface="+mj-ea"/>
-                  <a:ea typeface="+mj-ea"/>
+                <a:rPr lang="en-US" altLang="ko-KR" sz="2400" cap="none" dirty="0" smtClean="0" b="0">
+                  <a:latin typeface="나눔고딕 ExtraBold" charset="0"/>
+                  <a:ea typeface="나눔고딕 ExtraBold" charset="0"/>
                 </a:rPr>
-                <a:t>새로운 </a:t>
+                <a:t>새로운 유닛을 생성</a:t>
               </a:r>
-              <a:r>
-                <a:rPr lang="ko-KR" altLang="en-US" sz="1600" dirty="0" err="1" smtClean="0">
-                  <a:latin typeface="+mj-ea"/>
-                  <a:ea typeface="+mj-ea"/>
-                </a:rPr>
-                <a:t>유닛을</a:t>
-              </a:r>
-              <a:r>
-                <a:rPr lang="ko-KR" altLang="en-US" sz="1600" dirty="0" smtClean="0">
-                  <a:latin typeface="+mj-ea"/>
-                  <a:ea typeface="+mj-ea"/>
-                </a:rPr>
-                <a:t> 생성</a:t>
-              </a:r>
-              <a:endParaRPr lang="en-US" altLang="ko-KR" sz="1600" dirty="0" smtClean="0">
-                <a:latin typeface="+mj-ea"/>
-                <a:ea typeface="+mj-ea"/>
+              <a:endParaRPr lang="ko-KR" altLang="en-US" sz="2400" cap="none" dirty="0" smtClean="0" b="0">
+                <a:latin typeface="나눔고딕 ExtraBold" charset="0"/>
+                <a:ea typeface="나눔고딕 ExtraBold" charset="0"/>
               </a:endParaRPr>
             </a:p>
           </p:txBody>
@@ -14351,18 +14637,19 @@
             <p:nvPr/>
           </p:nvCxnSpPr>
           <p:spPr>
-            <a:xfrm flipV="1">
-              <a:off x="8877935" y="3602355"/>
-              <a:ext cx="807085" cy="444500"/>
+            <a:xfrm rot="0" flipV="1">
+              <a:off x="8846820" y="3509010"/>
+              <a:ext cx="807720" cy="445135"/>
             </a:xfrm>
-            <a:prstGeom prst="straightConnector1">
-              <a:avLst/>
-            </a:prstGeom>
-            <a:ln w="25400">
+            <a:prstGeom prst="straightConnector1"/>
+            <a:ln w="25400" cap="flat" cmpd="sng">
               <a:solidFill>
-                <a:schemeClr val="tx1"/>
+                <a:schemeClr val="tx1">
+                  <a:alpha val="100000"/>
+                </a:schemeClr>
               </a:solidFill>
-              <a:tailEnd type="arrow"/>
+              <a:prstDash val="solid"/>
+              <a:tailEnd type="arrow" w="med" len="med"/>
             </a:ln>
           </p:spPr>
           <p:style>
@@ -14387,18 +14674,19 @@
             <p:nvPr/>
           </p:nvCxnSpPr>
           <p:spPr>
-            <a:xfrm flipH="1" flipV="1">
-              <a:off x="8670925" y="3013075"/>
-              <a:ext cx="957580" cy="227965"/>
+            <a:xfrm rot="0" flipH="1" flipV="1">
+              <a:off x="8639810" y="2919730"/>
+              <a:ext cx="958215" cy="228600"/>
             </a:xfrm>
-            <a:prstGeom prst="straightConnector1">
-              <a:avLst/>
-            </a:prstGeom>
-            <a:ln w="19050">
+            <a:prstGeom prst="straightConnector1"/>
+            <a:ln w="19050" cap="flat" cmpd="sng">
               <a:solidFill>
-                <a:schemeClr val="tx1"/>
+                <a:schemeClr val="tx1">
+                  <a:alpha val="100000"/>
+                </a:schemeClr>
               </a:solidFill>
-              <a:tailEnd type="arrow"/>
+              <a:prstDash val="solid"/>
+              <a:tailEnd type="arrow" w="med" len="med"/>
             </a:ln>
           </p:spPr>
           <p:style>
@@ -14419,27 +14707,30 @@
         <p:sp>
           <p:nvSpPr>
             <p:cNvPr id="38" name="타원 37"/>
-            <p:cNvSpPr/>
+            <p:cNvSpPr>
+              <a:spLocks/>
+            </p:cNvSpPr>
             <p:nvPr/>
           </p:nvSpPr>
           <p:spPr>
-            <a:xfrm>
-              <a:off x="7665085" y="3879850"/>
-              <a:ext cx="431800" cy="431800"/>
+            <a:xfrm rot="0">
+              <a:off x="7633970" y="3786505"/>
+              <a:ext cx="432435" cy="432435"/>
             </a:xfrm>
-            <a:prstGeom prst="ellipse">
-              <a:avLst/>
-            </a:prstGeom>
+            <a:prstGeom prst="ellipse"/>
             <a:solidFill>
               <a:schemeClr val="accent3">
                 <a:lumMod val="60000"/>
                 <a:lumOff val="40000"/>
               </a:schemeClr>
             </a:solidFill>
-            <a:ln>
+            <a:ln w="25400" cap="flat" cmpd="sng">
               <a:solidFill>
-                <a:schemeClr val="tx1"/>
+                <a:schemeClr val="tx1">
+                  <a:alpha val="100000"/>
+                </a:schemeClr>
               </a:solidFill>
+              <a:prstDash val="solid"/>
             </a:ln>
           </p:spPr>
           <p:style>
@@ -14459,38 +14750,58 @@
             </a:fontRef>
           </p:style>
           <p:txBody>
-            <a:bodyPr rtlCol="0" anchor="ctr"/>
+            <a:bodyPr wrap="square" lIns="91440" tIns="45720" rIns="91440" bIns="45720" numCol="1" vert="horz" anchor="ctr">
+              <a:noAutofit/>
+            </a:bodyPr>
             <a:lstStyle/>
             <a:p>
-              <a:pPr algn="ctr"/>
-              <a:endParaRPr lang="ko-KR" altLang="en-US"/>
+              <a:pPr marL="0" indent="0" algn="ctr" fontAlgn="auto" defTabSz="914400" eaLnBrk="0">
+                <a:lnSpc>
+                  <a:spcPct val="100000"/>
+                </a:lnSpc>
+                <a:spcBef>
+                  <a:spcPts val="0"/>
+                </a:spcBef>
+                <a:spcAft>
+                  <a:spcPts val="0"/>
+                </a:spcAft>
+                <a:buFontTx/>
+                <a:buNone/>
+              </a:pPr>
+              <a:endParaRPr lang="ko-KR" altLang="en-US" sz="1800" cap="none" dirty="0" smtClean="0" b="0">
+                <a:latin typeface="나눔고딕" charset="0"/>
+                <a:ea typeface="나눔고딕" charset="0"/>
+              </a:endParaRPr>
             </a:p>
           </p:txBody>
         </p:sp>
         <p:sp>
           <p:nvSpPr>
             <p:cNvPr id="39" name="타원 38"/>
-            <p:cNvSpPr/>
+            <p:cNvSpPr>
+              <a:spLocks/>
+            </p:cNvSpPr>
             <p:nvPr/>
           </p:nvSpPr>
           <p:spPr>
-            <a:xfrm>
-              <a:off x="7922260" y="2688590"/>
-              <a:ext cx="431800" cy="431800"/>
+            <a:xfrm rot="0">
+              <a:off x="7891145" y="2595245"/>
+              <a:ext cx="432435" cy="432435"/>
             </a:xfrm>
-            <a:prstGeom prst="ellipse">
-              <a:avLst/>
-            </a:prstGeom>
+            <a:prstGeom prst="ellipse"/>
             <a:solidFill>
               <a:schemeClr val="accent3">
                 <a:lumMod val="60000"/>
                 <a:lumOff val="40000"/>
               </a:schemeClr>
             </a:solidFill>
-            <a:ln>
+            <a:ln w="25400" cap="flat" cmpd="sng">
               <a:solidFill>
-                <a:srgbClr val="FF0000"/>
+                <a:srgbClr val="FF0000">
+                  <a:alpha val="100000"/>
+                </a:srgbClr>
               </a:solidFill>
+              <a:prstDash val="solid"/>
             </a:ln>
           </p:spPr>
           <p:style>
@@ -14510,53 +14821,76 @@
             </a:fontRef>
           </p:style>
           <p:txBody>
-            <a:bodyPr rtlCol="0" anchor="ctr"/>
+            <a:bodyPr wrap="square" lIns="91440" tIns="45720" rIns="91440" bIns="45720" numCol="1" vert="horz" anchor="ctr">
+              <a:noAutofit/>
+            </a:bodyPr>
             <a:lstStyle/>
             <a:p>
-              <a:pPr algn="ctr"/>
-              <a:endParaRPr lang="ko-KR" altLang="en-US"/>
+              <a:pPr marL="0" indent="0" algn="ctr" fontAlgn="auto" defTabSz="914400" eaLnBrk="0">
+                <a:lnSpc>
+                  <a:spcPct val="100000"/>
+                </a:lnSpc>
+                <a:spcBef>
+                  <a:spcPts val="0"/>
+                </a:spcBef>
+                <a:spcAft>
+                  <a:spcPts val="0"/>
+                </a:spcAft>
+                <a:buFontTx/>
+                <a:buNone/>
+              </a:pPr>
+              <a:endParaRPr lang="ko-KR" altLang="en-US" sz="1800" cap="none" dirty="0" smtClean="0" b="0">
+                <a:latin typeface="나눔고딕" charset="0"/>
+                <a:ea typeface="나눔고딕" charset="0"/>
+              </a:endParaRPr>
             </a:p>
           </p:txBody>
         </p:sp>
         <p:sp>
           <p:nvSpPr>
             <p:cNvPr id="43" name="TextBox 42"/>
-            <p:cNvSpPr txBox="1"/>
+            <p:cNvSpPr txBox="1">
+              <a:spLocks/>
+            </p:cNvSpPr>
             <p:nvPr/>
           </p:nvSpPr>
           <p:spPr>
-            <a:xfrm>
-              <a:off x="7584440" y="3175000"/>
-              <a:ext cx="1160780" cy="307975"/>
+            <a:xfrm rot="0">
+              <a:off x="7087235" y="1946910"/>
+              <a:ext cx="2115185" cy="461010"/>
             </a:xfrm>
-            <a:prstGeom prst="rect">
-              <a:avLst/>
-            </a:prstGeom>
+            <a:prstGeom prst="rect"/>
             <a:noFill/>
           </p:spPr>
           <p:txBody>
-            <a:bodyPr wrap="square" rtlCol="0">
+            <a:bodyPr wrap="square" lIns="91440" tIns="45720" rIns="91440" bIns="45720" numCol="1" vert="horz" anchor="t">
               <a:spAutoFit/>
             </a:bodyPr>
             <a:lstStyle/>
             <a:p>
+              <a:pPr marL="0" indent="0" algn="l" fontAlgn="auto" defTabSz="914400" eaLnBrk="0">
+                <a:lnSpc>
+                  <a:spcPct val="100000"/>
+                </a:lnSpc>
+                <a:spcBef>
+                  <a:spcPts val="0"/>
+                </a:spcBef>
+                <a:spcAft>
+                  <a:spcPts val="0"/>
+                </a:spcAft>
+                <a:buFontTx/>
+                <a:buNone/>
+              </a:pPr>
               <a:r>
-                <a:rPr lang="ko-KR" altLang="en-US" sz="1400" dirty="0" smtClean="0">
-                  <a:latin typeface="+mj-ea"/>
-                  <a:ea typeface="+mj-ea"/>
+                <a:rPr lang="en-US" altLang="ko-KR" sz="2400" cap="none" dirty="0" smtClean="0" b="0">
+                  <a:latin typeface="나눔고딕 ExtraBold" charset="0"/>
+                  <a:ea typeface="나눔고딕 ExtraBold" charset="0"/>
                 </a:rPr>
-                <a:t>새로운 </a:t>
+                <a:t>조합된 유닛</a:t>
               </a:r>
-              <a:r>
-                <a:rPr lang="ko-KR" altLang="en-US" sz="1400" dirty="0" err="1" smtClean="0">
-                  <a:latin typeface="+mj-ea"/>
-                  <a:ea typeface="+mj-ea"/>
-                </a:rPr>
-                <a:t>유닛</a:t>
-              </a:r>
-              <a:endParaRPr lang="ko-KR" altLang="en-US" dirty="0">
-                <a:latin typeface="+mj-ea"/>
-                <a:ea typeface="+mj-ea"/>
+              <a:endParaRPr lang="ko-KR" altLang="en-US" sz="2400" cap="none" dirty="0" smtClean="0" b="0">
+                <a:latin typeface="나눔고딕 ExtraBold" charset="0"/>
+                <a:ea typeface="나눔고딕 ExtraBold" charset="0"/>
               </a:endParaRPr>
             </a:p>
           </p:txBody>
@@ -17548,8 +17882,8 @@
           <p:nvPr/>
         </p:nvGraphicFramePr>
         <p:xfrm>
-          <a:off x="647700" y="1259840"/>
-          <a:ext cx="9933305" cy="5112385"/>
+          <a:off x="523240" y="1073150"/>
+          <a:ext cx="9933305" cy="5617210"/>
         </p:xfrm>
         <a:graphic>
           <a:graphicData uri="http://schemas.openxmlformats.org/drawingml/2006/table">
@@ -17562,6 +17896,275 @@
                 <a:gridCol w="3310890"/>
                 <a:gridCol w="3312160"/>
               </a:tblGrid>
+              <a:tr h="504825">
+                <a:tc>
+                  <a:txBody>
+                    <a:bodyPr/>
+                    <a:lstStyle/>
+                    <a:p>
+                      <a:pPr marL="0" indent="0" algn="ctr" fontAlgn="auto" defTabSz="914400" eaLnBrk="0">
+                        <a:lnSpc>
+                          <a:spcPct val="100000"/>
+                        </a:lnSpc>
+                        <a:spcBef>
+                          <a:spcPts val="0"/>
+                        </a:spcBef>
+                        <a:spcAft>
+                          <a:spcPts val="0"/>
+                        </a:spcAft>
+                        <a:buFontTx/>
+                        <a:buNone/>
+                      </a:pPr>
+                      <a:r>
+                        <a:rPr lang="en-US" altLang="ko-KR" sz="1400" kern="1200" cap="none" dirty="0" smtClean="0" b="0">
+                          <a:solidFill>
+                            <a:srgbClr val="000000"/>
+                          </a:solidFill>
+                          <a:latin typeface="맑은 고딕" charset="0"/>
+                          <a:ea typeface="맑은 고딕" charset="0"/>
+                        </a:rPr>
+                        <a:t>주차</a:t>
+                      </a:r>
+                      <a:endParaRPr lang="ko-KR" altLang="en-US" sz="1400" kern="1200" dirty="0" smtClean="0" cap="none" b="0">
+                        <a:solidFill>
+                          <a:srgbClr val="000000"/>
+                        </a:solidFill>
+                        <a:latin typeface="맑은 고딕" charset="0"/>
+                        <a:ea typeface="맑은 고딕" charset="0"/>
+                      </a:endParaRPr>
+                    </a:p>
+                  </a:txBody>
+                  <a:tcPr marL="91440" marR="91440" marT="45720" marB="45720" anchor="ctr">
+                    <a:lnL w="12700" cap="flat" cmpd="sng" algn="ctr">
+                      <a:solidFill>
+                        <a:srgbClr val="F79646">
+                          <a:alpha val="100000"/>
+                        </a:srgbClr>
+                      </a:solidFill>
+                      <a:prstDash val="solid"/>
+                      <a:round/>
+                      <a:headEnd type="none" w="med" len="med"/>
+                      <a:tailEnd type="none" w="med" len="med"/>
+                    </a:lnL>
+                    <a:lnR w="12700" cap="flat" cmpd="sng" algn="ctr">
+                      <a:solidFill>
+                        <a:srgbClr val="F79646">
+                          <a:alpha val="100000"/>
+                        </a:srgbClr>
+                      </a:solidFill>
+                      <a:prstDash val="solid"/>
+                      <a:round/>
+                      <a:headEnd type="none" w="med" len="med"/>
+                      <a:tailEnd type="none" w="med" len="med"/>
+                    </a:lnR>
+                    <a:lnT w="12700" cap="flat" cmpd="sng" algn="ctr">
+                      <a:solidFill>
+                        <a:srgbClr val="F79646">
+                          <a:alpha val="100000"/>
+                        </a:srgbClr>
+                      </a:solidFill>
+                      <a:prstDash val="solid"/>
+                      <a:round/>
+                      <a:headEnd type="none" w="med" len="med"/>
+                      <a:tailEnd type="none" w="med" len="med"/>
+                    </a:lnT>
+                    <a:lnB w="12700" cap="flat" cmpd="sng" algn="ctr">
+                      <a:solidFill>
+                        <a:srgbClr val="F79646">
+                          <a:alpha val="100000"/>
+                        </a:srgbClr>
+                      </a:solidFill>
+                      <a:prstDash val="solid"/>
+                      <a:round/>
+                      <a:headEnd type="none" w="med" len="med"/>
+                      <a:tailEnd type="none" w="med" len="med"/>
+                    </a:lnB>
+                    <a:solidFill>
+                      <a:schemeClr val="accent6">
+                        <a:alpha val="20017"/>
+                      </a:schemeClr>
+                    </a:solidFill>
+                  </a:tcPr>
+                </a:tc>
+                <a:tc>
+                  <a:txBody>
+                    <a:bodyPr/>
+                    <a:lstStyle/>
+                    <a:p>
+                      <a:pPr marL="0" indent="0" algn="ctr" fontAlgn="auto" defTabSz="914400" eaLnBrk="0">
+                        <a:lnSpc>
+                          <a:spcPct val="100000"/>
+                        </a:lnSpc>
+                        <a:spcBef>
+                          <a:spcPts val="0"/>
+                        </a:spcBef>
+                        <a:spcAft>
+                          <a:spcPts val="0"/>
+                        </a:spcAft>
+                        <a:buFontTx/>
+                        <a:buNone/>
+                      </a:pPr>
+                      <a:r>
+                        <a:rPr lang="en-US" altLang="ko-KR" sz="1400" kern="1200" cap="none" dirty="0" smtClean="0" b="0">
+                          <a:solidFill>
+                            <a:srgbClr val="000000"/>
+                          </a:solidFill>
+                          <a:latin typeface="맑은 고딕" charset="0"/>
+                          <a:ea typeface="맑은 고딕" charset="0"/>
+                        </a:rPr>
+                        <a:t>기본 계획</a:t>
+                      </a:r>
+                      <a:endParaRPr lang="ko-KR" altLang="en-US" sz="1400" kern="1200" dirty="0" smtClean="0" cap="none" b="0">
+                        <a:solidFill>
+                          <a:srgbClr val="000000"/>
+                        </a:solidFill>
+                        <a:latin typeface="맑은 고딕" charset="0"/>
+                        <a:ea typeface="맑은 고딕" charset="0"/>
+                      </a:endParaRPr>
+                    </a:p>
+                  </a:txBody>
+                  <a:tcPr marL="91440" marR="91440" marT="45720" marB="45720" anchor="ctr">
+                    <a:lnL w="12700" cap="flat" cmpd="sng" algn="ctr">
+                      <a:solidFill>
+                        <a:srgbClr val="F79646">
+                          <a:alpha val="100000"/>
+                        </a:srgbClr>
+                      </a:solidFill>
+                      <a:prstDash val="solid"/>
+                      <a:round/>
+                      <a:headEnd type="none" w="med" len="med"/>
+                      <a:tailEnd type="none" w="med" len="med"/>
+                    </a:lnL>
+                    <a:lnR w="12700" cap="flat" cmpd="sng" algn="ctr">
+                      <a:solidFill>
+                        <a:srgbClr val="F79646">
+                          <a:alpha val="100000"/>
+                        </a:srgbClr>
+                      </a:solidFill>
+                      <a:prstDash val="solid"/>
+                      <a:round/>
+                      <a:headEnd type="none" w="med" len="med"/>
+                      <a:tailEnd type="none" w="med" len="med"/>
+                    </a:lnR>
+                    <a:lnT w="12700" cap="flat" cmpd="sng" algn="ctr">
+                      <a:solidFill>
+                        <a:srgbClr val="F79646">
+                          <a:alpha val="100000"/>
+                        </a:srgbClr>
+                      </a:solidFill>
+                      <a:prstDash val="solid"/>
+                      <a:round/>
+                      <a:headEnd type="none" w="med" len="med"/>
+                      <a:tailEnd type="none" w="med" len="med"/>
+                    </a:lnT>
+                    <a:lnB w="12700" cap="flat" cmpd="sng" algn="ctr">
+                      <a:solidFill>
+                        <a:srgbClr val="F79646">
+                          <a:alpha val="100000"/>
+                        </a:srgbClr>
+                      </a:solidFill>
+                      <a:prstDash val="solid"/>
+                      <a:round/>
+                      <a:headEnd type="none" w="med" len="med"/>
+                      <a:tailEnd type="none" w="med" len="med"/>
+                    </a:lnB>
+                    <a:solidFill>
+                      <a:schemeClr val="accent6">
+                        <a:alpha val="20017"/>
+                      </a:schemeClr>
+                    </a:solidFill>
+                  </a:tcPr>
+                </a:tc>
+                <a:tc>
+                  <a:txBody>
+                    <a:bodyPr/>
+                    <a:lstStyle/>
+                    <a:p>
+                      <a:pPr marL="0" indent="0" algn="ctr" fontAlgn="auto" defTabSz="914400" eaLnBrk="0">
+                        <a:lnSpc>
+                          <a:spcPct val="100000"/>
+                        </a:lnSpc>
+                        <a:spcBef>
+                          <a:spcPts val="0"/>
+                        </a:spcBef>
+                        <a:spcAft>
+                          <a:spcPts val="0"/>
+                        </a:spcAft>
+                        <a:buFontTx/>
+                        <a:buNone/>
+                      </a:pPr>
+                      <a:r>
+                        <a:rPr lang="en-US" altLang="ko-KR" sz="1400" kern="1200" cap="none" dirty="0" smtClean="0" b="0">
+                          <a:solidFill>
+                            <a:srgbClr val="000000"/>
+                          </a:solidFill>
+                          <a:latin typeface="맑은 고딕" charset="0"/>
+                          <a:ea typeface="맑은 고딕" charset="0"/>
+                        </a:rPr>
+                        <a:t>상세 계획</a:t>
+                      </a:r>
+                      <a:endParaRPr lang="ko-KR" altLang="en-US" sz="1400" kern="1200" dirty="0" smtClean="0" cap="none" b="0">
+                        <a:solidFill>
+                          <a:srgbClr val="000000"/>
+                        </a:solidFill>
+                        <a:latin typeface="맑은 고딕" charset="0"/>
+                        <a:ea typeface="맑은 고딕" charset="0"/>
+                      </a:endParaRPr>
+                    </a:p>
+                  </a:txBody>
+                  <a:tcPr marL="91440" marR="91440" marT="45720" marB="45720" anchor="ctr">
+                    <a:lnL w="12700" cap="flat" cmpd="sng" algn="ctr">
+                      <a:solidFill>
+                        <a:srgbClr val="F79646">
+                          <a:alpha val="100000"/>
+                        </a:srgbClr>
+                      </a:solidFill>
+                      <a:prstDash val="solid"/>
+                      <a:round/>
+                      <a:headEnd type="none" w="med" len="med"/>
+                      <a:tailEnd type="none" w="med" len="med"/>
+                    </a:lnL>
+                    <a:lnR w="12700" cap="flat" cmpd="sng" algn="ctr">
+                      <a:solidFill>
+                        <a:srgbClr val="F79646">
+                          <a:alpha val="100000"/>
+                        </a:srgbClr>
+                      </a:solidFill>
+                      <a:prstDash val="solid"/>
+                      <a:round/>
+                      <a:headEnd type="none" w="med" len="med"/>
+                      <a:tailEnd type="none" w="med" len="med"/>
+                    </a:lnR>
+                    <a:lnT w="12700" cap="flat" cmpd="sng" algn="ctr">
+                      <a:solidFill>
+                        <a:srgbClr val="F79646">
+                          <a:alpha val="100000"/>
+                        </a:srgbClr>
+                      </a:solidFill>
+                      <a:prstDash val="solid"/>
+                      <a:round/>
+                      <a:headEnd type="none" w="med" len="med"/>
+                      <a:tailEnd type="none" w="med" len="med"/>
+                    </a:lnT>
+                    <a:lnB w="12700" cap="flat" cmpd="sng" algn="ctr">
+                      <a:solidFill>
+                        <a:srgbClr val="F79646">
+                          <a:alpha val="100000"/>
+                        </a:srgbClr>
+                      </a:solidFill>
+                      <a:prstDash val="solid"/>
+                      <a:round/>
+                      <a:headEnd type="none" w="med" len="med"/>
+                      <a:tailEnd type="none" w="med" len="med"/>
+                    </a:lnB>
+                    <a:solidFill>
+                      <a:schemeClr val="accent6">
+                        <a:alpha val="20017"/>
+                      </a:schemeClr>
+                    </a:solidFill>
+                  </a:tcPr>
+                </a:tc>
+              </a:tr>
               <a:tr h="504825">
                 <a:tc>
                   <a:txBody>
